--- a/AppInsights and Log Analytics.pptx
+++ b/AppInsights and Log Analytics.pptx
@@ -113,6 +113,11 @@
       </a:defRPr>
     </a:lvl9pPr>
   </p:defaultTextStyle>
+  <p:extLst>
+    <p:ext uri="{EFAFB233-063F-42B5-8137-9DF3F51BA10A}">
+      <p15:sldGuideLst xmlns:p15="http://schemas.microsoft.com/office/powerpoint/2012/main"/>
+    </p:ext>
+  </p:extLst>
 </p:presentation>
 </file>
 
@@ -997,95 +1002,6 @@
         </a:p>
       </dgm:t>
     </dgm:pt>
-    <dgm:pt modelId="{4F3428A2-272E-447D-BC00-A3F5A7F849BA}">
-      <dgm:prSet custT="1"/>
-      <dgm:spPr>
-        <a:solidFill>
-          <a:schemeClr val="lt1">
-            <a:hueOff val="0"/>
-            <a:satOff val="0"/>
-            <a:lumOff val="0"/>
-          </a:schemeClr>
-        </a:solidFill>
-      </dgm:spPr>
-      <dgm:t>
-        <a:bodyPr/>
-        <a:lstStyle/>
-        <a:p>
-          <a:r>
-            <a:rPr lang="en-US" sz="1600" dirty="0" err="1"/>
-            <a:t>ILogger</a:t>
-          </a:r>
-          <a:endParaRPr lang="en-US" sz="1600" dirty="0"/>
-        </a:p>
-      </dgm:t>
-    </dgm:pt>
-    <dgm:pt modelId="{56444AC9-87B2-49AF-B381-1FA1C4F949FF}" type="parTrans" cxnId="{82DCFC21-02E7-44BC-B4C9-A4AC2D97FE68}">
-      <dgm:prSet/>
-      <dgm:spPr/>
-      <dgm:t>
-        <a:bodyPr/>
-        <a:lstStyle/>
-        <a:p>
-          <a:endParaRPr lang="en-US"/>
-        </a:p>
-      </dgm:t>
-    </dgm:pt>
-    <dgm:pt modelId="{E5D9172C-F34D-4CAE-AA7C-DFB80C7518D7}" type="sibTrans" cxnId="{82DCFC21-02E7-44BC-B4C9-A4AC2D97FE68}">
-      <dgm:prSet/>
-      <dgm:spPr/>
-      <dgm:t>
-        <a:bodyPr/>
-        <a:lstStyle/>
-        <a:p>
-          <a:endParaRPr lang="en-US"/>
-        </a:p>
-      </dgm:t>
-    </dgm:pt>
-    <dgm:pt modelId="{23D8493C-541E-4C69-B4F0-3057DC11003C}">
-      <dgm:prSet custT="1"/>
-      <dgm:spPr>
-        <a:solidFill>
-          <a:schemeClr val="lt1">
-            <a:hueOff val="0"/>
-            <a:satOff val="0"/>
-            <a:lumOff val="0"/>
-          </a:schemeClr>
-        </a:solidFill>
-      </dgm:spPr>
-      <dgm:t>
-        <a:bodyPr/>
-        <a:lstStyle/>
-        <a:p>
-          <a:r>
-            <a:rPr lang="en-US" sz="1600" dirty="0"/>
-            <a:t>Exception bubbles out</a:t>
-          </a:r>
-        </a:p>
-      </dgm:t>
-    </dgm:pt>
-    <dgm:pt modelId="{B758E879-2E15-4078-8DBA-7EBA17A40DCD}" type="parTrans" cxnId="{22E94F0D-7C43-49DC-97C0-53E79B15300A}">
-      <dgm:prSet/>
-      <dgm:spPr/>
-      <dgm:t>
-        <a:bodyPr/>
-        <a:lstStyle/>
-        <a:p>
-          <a:endParaRPr lang="en-US"/>
-        </a:p>
-      </dgm:t>
-    </dgm:pt>
-    <dgm:pt modelId="{A5A05394-1943-4E80-9C90-D2395BB63149}" type="sibTrans" cxnId="{22E94F0D-7C43-49DC-97C0-53E79B15300A}">
-      <dgm:prSet/>
-      <dgm:spPr/>
-      <dgm:t>
-        <a:bodyPr/>
-        <a:lstStyle/>
-        <a:p>
-          <a:endParaRPr lang="en-US"/>
-        </a:p>
-      </dgm:t>
-    </dgm:pt>
     <dgm:pt modelId="{4A9FDBF4-3705-490E-A1A8-1EDE9B989BD3}">
       <dgm:prSet custT="1"/>
       <dgm:spPr>
@@ -1103,7 +1019,7 @@
         <a:p>
           <a:r>
             <a:rPr lang="en-US" sz="1600" dirty="0"/>
-            <a:t>Logging with the NuGet package installed</a:t>
+            <a:t>Logging with the Application Insights NuGet package installed</a:t>
           </a:r>
         </a:p>
       </dgm:t>
@@ -1120,184 +1036,6 @@
       </dgm:t>
     </dgm:pt>
     <dgm:pt modelId="{62A2CB9C-C124-4C2A-9178-7CB68C05AA46}" type="sibTrans" cxnId="{DA4C3DEE-3FA9-49C9-BE18-E4A1F087B9A8}">
-      <dgm:prSet/>
-      <dgm:spPr/>
-      <dgm:t>
-        <a:bodyPr/>
-        <a:lstStyle/>
-        <a:p>
-          <a:endParaRPr lang="en-US"/>
-        </a:p>
-      </dgm:t>
-    </dgm:pt>
-    <dgm:pt modelId="{DEC9B1C2-6718-4619-A820-2532928CF8CF}">
-      <dgm:prSet custT="1"/>
-      <dgm:spPr>
-        <a:solidFill>
-          <a:schemeClr val="lt1">
-            <a:hueOff val="0"/>
-            <a:satOff val="0"/>
-            <a:lumOff val="0"/>
-          </a:schemeClr>
-        </a:solidFill>
-      </dgm:spPr>
-      <dgm:t>
-        <a:bodyPr/>
-        <a:lstStyle/>
-        <a:p>
-          <a:r>
-            <a:rPr lang="en-US" sz="1600"/>
-            <a:t>ILogger</a:t>
-          </a:r>
-        </a:p>
-      </dgm:t>
-    </dgm:pt>
-    <dgm:pt modelId="{FC712998-6281-4C4E-BF87-80498D7EA205}" type="parTrans" cxnId="{7C5D8137-778F-418F-BBB3-6FA98C4A2A7E}">
-      <dgm:prSet/>
-      <dgm:spPr/>
-      <dgm:t>
-        <a:bodyPr/>
-        <a:lstStyle/>
-        <a:p>
-          <a:endParaRPr lang="en-US"/>
-        </a:p>
-      </dgm:t>
-    </dgm:pt>
-    <dgm:pt modelId="{A1D0111C-4AFD-4D5A-BA4B-02D2D727B918}" type="sibTrans" cxnId="{7C5D8137-778F-418F-BBB3-6FA98C4A2A7E}">
-      <dgm:prSet/>
-      <dgm:spPr/>
-      <dgm:t>
-        <a:bodyPr/>
-        <a:lstStyle/>
-        <a:p>
-          <a:endParaRPr lang="en-US"/>
-        </a:p>
-      </dgm:t>
-    </dgm:pt>
-    <dgm:pt modelId="{FECC6AF1-CFDA-4E61-834F-84E8173A1A5F}">
-      <dgm:prSet custT="1"/>
-      <dgm:spPr>
-        <a:solidFill>
-          <a:schemeClr val="lt1">
-            <a:hueOff val="0"/>
-            <a:satOff val="0"/>
-            <a:lumOff val="0"/>
-          </a:schemeClr>
-        </a:solidFill>
-      </dgm:spPr>
-      <dgm:t>
-        <a:bodyPr/>
-        <a:lstStyle/>
-        <a:p>
-          <a:r>
-            <a:rPr lang="en-US" sz="1600" dirty="0"/>
-            <a:t>Exception bubbles out</a:t>
-          </a:r>
-        </a:p>
-      </dgm:t>
-    </dgm:pt>
-    <dgm:pt modelId="{B9293D4F-5BF6-4EA5-9CF7-0E344D87A401}" type="parTrans" cxnId="{E6AC04EA-33A8-4E05-A1F8-7AD6E9D994DE}">
-      <dgm:prSet/>
-      <dgm:spPr/>
-      <dgm:t>
-        <a:bodyPr/>
-        <a:lstStyle/>
-        <a:p>
-          <a:endParaRPr lang="en-US"/>
-        </a:p>
-      </dgm:t>
-    </dgm:pt>
-    <dgm:pt modelId="{EB831579-3A8F-49A4-9E8C-43E301650671}" type="sibTrans" cxnId="{E6AC04EA-33A8-4E05-A1F8-7AD6E9D994DE}">
-      <dgm:prSet/>
-      <dgm:spPr/>
-      <dgm:t>
-        <a:bodyPr/>
-        <a:lstStyle/>
-        <a:p>
-          <a:endParaRPr lang="en-US"/>
-        </a:p>
-      </dgm:t>
-    </dgm:pt>
-    <dgm:pt modelId="{5163A9EA-5591-4B44-8068-C55DD041BF1E}">
-      <dgm:prSet custT="1"/>
-      <dgm:spPr>
-        <a:solidFill>
-          <a:schemeClr val="lt1">
-            <a:hueOff val="0"/>
-            <a:satOff val="0"/>
-            <a:lumOff val="0"/>
-          </a:schemeClr>
-        </a:solidFill>
-      </dgm:spPr>
-      <dgm:t>
-        <a:bodyPr/>
-        <a:lstStyle/>
-        <a:p>
-          <a:r>
-            <a:rPr lang="en-US" sz="1600" dirty="0" err="1"/>
-            <a:t>TrackTrace</a:t>
-          </a:r>
-          <a:endParaRPr lang="en-US" sz="1600" dirty="0"/>
-        </a:p>
-      </dgm:t>
-    </dgm:pt>
-    <dgm:pt modelId="{9DFAC97C-D678-445B-A069-06703923E0A3}" type="parTrans" cxnId="{C543627A-85B6-4DE9-9899-8399C597C455}">
-      <dgm:prSet/>
-      <dgm:spPr/>
-      <dgm:t>
-        <a:bodyPr/>
-        <a:lstStyle/>
-        <a:p>
-          <a:endParaRPr lang="en-US"/>
-        </a:p>
-      </dgm:t>
-    </dgm:pt>
-    <dgm:pt modelId="{8974C848-3773-41E4-864B-D346A6AE6570}" type="sibTrans" cxnId="{C543627A-85B6-4DE9-9899-8399C597C455}">
-      <dgm:prSet/>
-      <dgm:spPr/>
-      <dgm:t>
-        <a:bodyPr/>
-        <a:lstStyle/>
-        <a:p>
-          <a:endParaRPr lang="en-US"/>
-        </a:p>
-      </dgm:t>
-    </dgm:pt>
-    <dgm:pt modelId="{A3EBCE67-43ED-4BC3-94F4-229590D69CAC}">
-      <dgm:prSet custT="1"/>
-      <dgm:spPr>
-        <a:solidFill>
-          <a:schemeClr val="lt1">
-            <a:hueOff val="0"/>
-            <a:satOff val="0"/>
-            <a:lumOff val="0"/>
-          </a:schemeClr>
-        </a:solidFill>
-      </dgm:spPr>
-      <dgm:t>
-        <a:bodyPr/>
-        <a:lstStyle/>
-        <a:p>
-          <a:r>
-            <a:rPr lang="en-US" sz="1600" dirty="0" err="1"/>
-            <a:t>TrackException</a:t>
-          </a:r>
-          <a:endParaRPr lang="en-US" sz="1600" dirty="0"/>
-        </a:p>
-      </dgm:t>
-    </dgm:pt>
-    <dgm:pt modelId="{731B911B-07B4-4C4D-95E5-3AFA204EDB77}" type="parTrans" cxnId="{55D35403-CF01-4FEF-AB03-A1EA92A9E2B1}">
-      <dgm:prSet/>
-      <dgm:spPr/>
-      <dgm:t>
-        <a:bodyPr/>
-        <a:lstStyle/>
-        <a:p>
-          <a:endParaRPr lang="en-US"/>
-        </a:p>
-      </dgm:t>
-    </dgm:pt>
-    <dgm:pt modelId="{8E540B4D-97CC-4F73-A076-08646C18278E}" type="sibTrans" cxnId="{55D35403-CF01-4FEF-AB03-A1EA92A9E2B1}">
       <dgm:prSet/>
       <dgm:spPr/>
       <dgm:t>
@@ -1405,13 +1143,8 @@
         <a:p>
           <a:r>
             <a:rPr lang="en-US" sz="1600" dirty="0"/>
-            <a:t>Logging JSON directly via </a:t>
+            <a:t>Logging JSON directly to Log Analytics</a:t>
           </a:r>
-          <a:r>
-            <a:rPr lang="en-US" sz="1600" dirty="0" err="1"/>
-            <a:t>ILogger</a:t>
-          </a:r>
-          <a:endParaRPr lang="en-US" sz="1600" dirty="0"/>
         </a:p>
       </dgm:t>
     </dgm:pt>
@@ -1437,7 +1170,7 @@
         </a:p>
       </dgm:t>
     </dgm:pt>
-    <dgm:pt modelId="{DAD48B45-B668-460E-A997-85333C179E62}">
+    <dgm:pt modelId="{B75F5DF7-EB01-46E2-A7CF-65A9E4F688A0}">
       <dgm:prSet custT="1"/>
       <dgm:spPr/>
       <dgm:t>
@@ -1464,71 +1197,13 @@
         </a:p>
       </dgm:t>
     </dgm:pt>
-    <dgm:pt modelId="{5B7ABC2A-7991-47D8-BE7B-EB8C6DB571F7}" type="parTrans" cxnId="{451C7BDC-EAB0-4669-9D90-B143DE30A990}">
+    <dgm:pt modelId="{75293FFE-7F01-47F2-96F4-E262D50EDE58}" type="parTrans" cxnId="{E695083B-DACF-418A-8A6D-C01958DBCDC5}">
       <dgm:prSet/>
       <dgm:spPr/>
-      <dgm:t>
-        <a:bodyPr/>
-        <a:lstStyle/>
-        <a:p>
-          <a:endParaRPr lang="en-US"/>
-        </a:p>
-      </dgm:t>
     </dgm:pt>
-    <dgm:pt modelId="{9C39B88C-EFA1-409A-9AC9-77A7D60617B4}" type="sibTrans" cxnId="{451C7BDC-EAB0-4669-9D90-B143DE30A990}">
+    <dgm:pt modelId="{05C1011A-30C2-4BED-B4C0-B5798F94C507}" type="sibTrans" cxnId="{E695083B-DACF-418A-8A6D-C01958DBCDC5}">
       <dgm:prSet/>
       <dgm:spPr/>
-      <dgm:t>
-        <a:bodyPr/>
-        <a:lstStyle/>
-        <a:p>
-          <a:endParaRPr lang="en-US"/>
-        </a:p>
-      </dgm:t>
-    </dgm:pt>
-    <dgm:pt modelId="{C8A7D78A-3E4D-400D-9E03-06273432FEB4}">
-      <dgm:prSet custT="1"/>
-      <dgm:spPr>
-        <a:solidFill>
-          <a:schemeClr val="lt1">
-            <a:hueOff val="0"/>
-            <a:satOff val="0"/>
-            <a:lumOff val="0"/>
-          </a:schemeClr>
-        </a:solidFill>
-      </dgm:spPr>
-      <dgm:t>
-        <a:bodyPr/>
-        <a:lstStyle/>
-        <a:p>
-          <a:r>
-            <a:rPr lang="en-US" sz="1600" dirty="0"/>
-            <a:t>Forwarding data to a Log Analytics workspace (preview) </a:t>
-          </a:r>
-        </a:p>
-      </dgm:t>
-    </dgm:pt>
-    <dgm:pt modelId="{C8359E56-DA02-4C0E-A75A-F22C28058743}" type="parTrans" cxnId="{9B3A5877-BBBE-4176-8561-D8B0FCE77960}">
-      <dgm:prSet/>
-      <dgm:spPr/>
-      <dgm:t>
-        <a:bodyPr/>
-        <a:lstStyle/>
-        <a:p>
-          <a:endParaRPr lang="en-US"/>
-        </a:p>
-      </dgm:t>
-    </dgm:pt>
-    <dgm:pt modelId="{60D0E9A5-26CE-4F93-A7AB-F581D0E540FB}" type="sibTrans" cxnId="{9B3A5877-BBBE-4176-8561-D8B0FCE77960}">
-      <dgm:prSet/>
-      <dgm:spPr/>
-      <dgm:t>
-        <a:bodyPr/>
-        <a:lstStyle/>
-        <a:p>
-          <a:endParaRPr lang="en-US"/>
-        </a:p>
-      </dgm:t>
     </dgm:pt>
     <dgm:pt modelId="{AC43F8BD-5450-4826-B43A-1FE47CCA0FC5}" type="pres">
       <dgm:prSet presAssocID="{14571008-AFF3-42FB-8AB4-651431DDAA30}" presName="linear" presStyleCnt="0">
@@ -1604,37 +1279,23 @@
     </dgm:pt>
   </dgm:ptLst>
   <dgm:cxnLst>
-    <dgm:cxn modelId="{55D35403-CF01-4FEF-AB03-A1EA92A9E2B1}" srcId="{4A9FDBF4-3705-490E-A1A8-1EDE9B989BD3}" destId="{A3EBCE67-43ED-4BC3-94F4-229590D69CAC}" srcOrd="3" destOrd="0" parTransId="{731B911B-07B4-4C4D-95E5-3AFA204EDB77}" sibTransId="{8E540B4D-97CC-4F73-A076-08646C18278E}"/>
-    <dgm:cxn modelId="{22E94F0D-7C43-49DC-97C0-53E79B15300A}" srcId="{2742C122-A22F-4476-9B37-1D7A17057590}" destId="{23D8493C-541E-4C69-B4F0-3057DC11003C}" srcOrd="1" destOrd="0" parTransId="{B758E879-2E15-4078-8DBA-7EBA17A40DCD}" sibTransId="{A5A05394-1943-4E80-9C90-D2395BB63149}"/>
     <dgm:cxn modelId="{C3D9CD12-EDA1-4F35-A1D8-786F33FC8FB9}" type="presOf" srcId="{14571008-AFF3-42FB-8AB4-651431DDAA30}" destId="{AC43F8BD-5450-4826-B43A-1FE47CCA0FC5}" srcOrd="0" destOrd="0" presId="urn:microsoft.com/office/officeart/2005/8/layout/list1"/>
-    <dgm:cxn modelId="{7C056113-1FA1-4C73-933D-B91586B858E6}" type="presOf" srcId="{4F3428A2-272E-447D-BC00-A3F5A7F849BA}" destId="{A45DBEEF-95E7-4478-8E5D-0D08BF15CEED}" srcOrd="0" destOrd="1" presId="urn:microsoft.com/office/officeart/2005/8/layout/list1"/>
-    <dgm:cxn modelId="{82DCFC21-02E7-44BC-B4C9-A4AC2D97FE68}" srcId="{2742C122-A22F-4476-9B37-1D7A17057590}" destId="{4F3428A2-272E-447D-BC00-A3F5A7F849BA}" srcOrd="0" destOrd="0" parTransId="{56444AC9-87B2-49AF-B381-1FA1C4F949FF}" sibTransId="{E5D9172C-F34D-4CAE-AA7C-DFB80C7518D7}"/>
-    <dgm:cxn modelId="{7C5D8137-778F-418F-BBB3-6FA98C4A2A7E}" srcId="{4A9FDBF4-3705-490E-A1A8-1EDE9B989BD3}" destId="{DEC9B1C2-6718-4619-A820-2532928CF8CF}" srcOrd="0" destOrd="0" parTransId="{FC712998-6281-4C4E-BF87-80498D7EA205}" sibTransId="{A1D0111C-4AFD-4D5A-BA4B-02D2D727B918}"/>
     <dgm:cxn modelId="{840F0739-B457-4224-B3AA-37EBCE58FB1A}" type="presOf" srcId="{B514D909-99AA-4C03-BC63-C696EB01927E}" destId="{5A02946C-1BA6-4220-A403-540645A2FD28}" srcOrd="0" destOrd="0" presId="urn:microsoft.com/office/officeart/2005/8/layout/list1"/>
-    <dgm:cxn modelId="{7FAEA35C-89D8-44FC-AECA-A97D0D5E0755}" type="presOf" srcId="{A3EBCE67-43ED-4BC3-94F4-229590D69CAC}" destId="{A45DBEEF-95E7-4478-8E5D-0D08BF15CEED}" srcOrd="0" destOrd="8" presId="urn:microsoft.com/office/officeart/2005/8/layout/list1"/>
+    <dgm:cxn modelId="{E695083B-DACF-418A-8A6D-C01958DBCDC5}" srcId="{BF678B77-B73D-43BD-B175-D4822DB0C572}" destId="{B75F5DF7-EB01-46E2-A7CF-65A9E4F688A0}" srcOrd="1" destOrd="0" parTransId="{75293FFE-7F01-47F2-96F4-E262D50EDE58}" sibTransId="{05C1011A-30C2-4BED-B4C0-B5798F94C507}"/>
     <dgm:cxn modelId="{F6A0BA71-B61D-4C88-9B8A-43B8AB5E2E4F}" type="presOf" srcId="{BF678B77-B73D-43BD-B175-D4822DB0C572}" destId="{B1E9FAE8-D326-4363-99B2-E34922E20CD2}" srcOrd="1" destOrd="0" presId="urn:microsoft.com/office/officeart/2005/8/layout/list1"/>
     <dgm:cxn modelId="{2E476075-5780-41FF-9401-31A2FE9EEDFB}" srcId="{4400BC4C-F758-45AB-9322-7168C65636FD}" destId="{97AF4982-3945-47ED-A185-607FB9ADB404}" srcOrd="2" destOrd="0" parTransId="{37B5B9DD-2E06-4223-9CCA-1215BA4F0F12}" sibTransId="{40D30FD8-2562-4F6D-A3F2-B87396CC3415}"/>
-    <dgm:cxn modelId="{C087C155-DFBB-4DAB-A7BA-1E19BB5E3B36}" type="presOf" srcId="{4A9FDBF4-3705-490E-A1A8-1EDE9B989BD3}" destId="{A45DBEEF-95E7-4478-8E5D-0D08BF15CEED}" srcOrd="0" destOrd="4" presId="urn:microsoft.com/office/officeart/2005/8/layout/list1"/>
-    <dgm:cxn modelId="{B95AB656-5F58-473C-A601-08C417F58917}" type="presOf" srcId="{23D8493C-541E-4C69-B4F0-3057DC11003C}" destId="{A45DBEEF-95E7-4478-8E5D-0D08BF15CEED}" srcOrd="0" destOrd="2" presId="urn:microsoft.com/office/officeart/2005/8/layout/list1"/>
-    <dgm:cxn modelId="{9B3A5877-BBBE-4176-8561-D8B0FCE77960}" srcId="{2742C122-A22F-4476-9B37-1D7A17057590}" destId="{C8A7D78A-3E4D-400D-9E03-06273432FEB4}" srcOrd="2" destOrd="0" parTransId="{C8359E56-DA02-4C0E-A75A-F22C28058743}" sibTransId="{60D0E9A5-26CE-4F93-A7AB-F581D0E540FB}"/>
+    <dgm:cxn modelId="{C087C155-DFBB-4DAB-A7BA-1E19BB5E3B36}" type="presOf" srcId="{4A9FDBF4-3705-490E-A1A8-1EDE9B989BD3}" destId="{A45DBEEF-95E7-4478-8E5D-0D08BF15CEED}" srcOrd="0" destOrd="1" presId="urn:microsoft.com/office/officeart/2005/8/layout/list1"/>
     <dgm:cxn modelId="{01A8D179-B222-42FC-BC5E-85F5E351F1B8}" srcId="{4400BC4C-F758-45AB-9322-7168C65636FD}" destId="{2742C122-A22F-4476-9B37-1D7A17057590}" srcOrd="0" destOrd="0" parTransId="{AC0B185A-7F92-477C-A525-2526473DD0CE}" sibTransId="{9E5666FF-1E0E-4A17-855D-5551F6F29624}"/>
-    <dgm:cxn modelId="{C543627A-85B6-4DE9-9899-8399C597C455}" srcId="{4A9FDBF4-3705-490E-A1A8-1EDE9B989BD3}" destId="{5163A9EA-5591-4B44-8068-C55DD041BF1E}" srcOrd="2" destOrd="0" parTransId="{9DFAC97C-D678-445B-A069-06703923E0A3}" sibTransId="{8974C848-3773-41E4-864B-D346A6AE6570}"/>
     <dgm:cxn modelId="{2DA39F80-FAF5-46B0-A373-67628FEB2C4A}" type="presOf" srcId="{4400BC4C-F758-45AB-9322-7168C65636FD}" destId="{CACD1CF9-A050-45F5-B7CC-A47B12877B58}" srcOrd="1" destOrd="0" presId="urn:microsoft.com/office/officeart/2005/8/layout/list1"/>
     <dgm:cxn modelId="{12A87691-D4CB-4D09-AA8F-0BF715527865}" srcId="{BF678B77-B73D-43BD-B175-D4822DB0C572}" destId="{B514D909-99AA-4C03-BC63-C696EB01927E}" srcOrd="0" destOrd="0" parTransId="{50B79367-5364-48B4-8F42-70E66B9467E7}" sibTransId="{F6B8E637-5878-4F83-B384-7421884A1D62}"/>
-    <dgm:cxn modelId="{9FFAC096-110C-4E4D-AAA4-87DEB77F6767}" type="presOf" srcId="{DEC9B1C2-6718-4619-A820-2532928CF8CF}" destId="{A45DBEEF-95E7-4478-8E5D-0D08BF15CEED}" srcOrd="0" destOrd="5" presId="urn:microsoft.com/office/officeart/2005/8/layout/list1"/>
     <dgm:cxn modelId="{AD9A7C98-B538-4A9D-AA0A-AAE506EDEB42}" type="presOf" srcId="{4400BC4C-F758-45AB-9322-7168C65636FD}" destId="{C2DC62CD-7B13-42C3-93BC-871C9C425563}" srcOrd="0" destOrd="0" presId="urn:microsoft.com/office/officeart/2005/8/layout/list1"/>
     <dgm:cxn modelId="{68E0EAA6-B022-4C6D-96CD-A5CD170FE3D6}" type="presOf" srcId="{BF678B77-B73D-43BD-B175-D4822DB0C572}" destId="{B449E5C5-53F4-44A6-9F1B-C13FFFE5B470}" srcOrd="0" destOrd="0" presId="urn:microsoft.com/office/officeart/2005/8/layout/list1"/>
     <dgm:cxn modelId="{79C2E9B6-11CC-443D-A495-164C93DD0B17}" srcId="{14571008-AFF3-42FB-8AB4-651431DDAA30}" destId="{4400BC4C-F758-45AB-9322-7168C65636FD}" srcOrd="0" destOrd="0" parTransId="{EBCEAF00-991E-4BE6-95EA-0BAB339876C6}" sibTransId="{E74B1F5A-96D6-4934-BB4B-F7C8FFCFD773}"/>
-    <dgm:cxn modelId="{5C0FD2B8-CC7B-4961-93B7-3F03B60F94BD}" type="presOf" srcId="{5163A9EA-5591-4B44-8068-C55DD041BF1E}" destId="{A45DBEEF-95E7-4478-8E5D-0D08BF15CEED}" srcOrd="0" destOrd="7" presId="urn:microsoft.com/office/officeart/2005/8/layout/list1"/>
+    <dgm:cxn modelId="{5496EDC3-8E9E-4E31-891D-BD5250C3F730}" type="presOf" srcId="{B75F5DF7-EB01-46E2-A7CF-65A9E4F688A0}" destId="{5A02946C-1BA6-4220-A403-540645A2FD28}" srcOrd="0" destOrd="1" presId="urn:microsoft.com/office/officeart/2005/8/layout/list1"/>
     <dgm:cxn modelId="{E3AC87D7-9356-42BF-B8FB-F8A350D59351}" srcId="{14571008-AFF3-42FB-8AB4-651431DDAA30}" destId="{BF678B77-B73D-43BD-B175-D4822DB0C572}" srcOrd="1" destOrd="0" parTransId="{3EB4C101-3C76-460D-A6A1-B2349BFD6A19}" sibTransId="{D2D1F0F1-7847-41EC-9B4B-97D6FF308D91}"/>
-    <dgm:cxn modelId="{451C7BDC-EAB0-4669-9D90-B143DE30A990}" srcId="{BF678B77-B73D-43BD-B175-D4822DB0C572}" destId="{DAD48B45-B668-460E-A997-85333C179E62}" srcOrd="1" destOrd="0" parTransId="{5B7ABC2A-7991-47D8-BE7B-EB8C6DB571F7}" sibTransId="{9C39B88C-EFA1-409A-9AC9-77A7D60617B4}"/>
     <dgm:cxn modelId="{21E4ECDE-B054-4176-8B8D-E3858936441D}" type="presOf" srcId="{2742C122-A22F-4476-9B37-1D7A17057590}" destId="{A45DBEEF-95E7-4478-8E5D-0D08BF15CEED}" srcOrd="0" destOrd="0" presId="urn:microsoft.com/office/officeart/2005/8/layout/list1"/>
-    <dgm:cxn modelId="{C59697E8-1B37-46D4-A622-7E90B5C5603B}" type="presOf" srcId="{DAD48B45-B668-460E-A997-85333C179E62}" destId="{5A02946C-1BA6-4220-A403-540645A2FD28}" srcOrd="0" destOrd="1" presId="urn:microsoft.com/office/officeart/2005/8/layout/list1"/>
-    <dgm:cxn modelId="{E6AC04EA-33A8-4E05-A1F8-7AD6E9D994DE}" srcId="{4A9FDBF4-3705-490E-A1A8-1EDE9B989BD3}" destId="{FECC6AF1-CFDA-4E61-834F-84E8173A1A5F}" srcOrd="1" destOrd="0" parTransId="{B9293D4F-5BF6-4EA5-9CF7-0E344D87A401}" sibTransId="{EB831579-3A8F-49A4-9E8C-43E301650671}"/>
     <dgm:cxn modelId="{DA4C3DEE-3FA9-49C9-BE18-E4A1F087B9A8}" srcId="{4400BC4C-F758-45AB-9322-7168C65636FD}" destId="{4A9FDBF4-3705-490E-A1A8-1EDE9B989BD3}" srcOrd="1" destOrd="0" parTransId="{C03E2ED8-71C3-4F15-923A-BE244D045FCA}" sibTransId="{62A2CB9C-C124-4C2A-9178-7CB68C05AA46}"/>
-    <dgm:cxn modelId="{463E72EE-5397-4459-9F73-09E4AE1D0FB6}" type="presOf" srcId="{C8A7D78A-3E4D-400D-9E03-06273432FEB4}" destId="{A45DBEEF-95E7-4478-8E5D-0D08BF15CEED}" srcOrd="0" destOrd="3" presId="urn:microsoft.com/office/officeart/2005/8/layout/list1"/>
-    <dgm:cxn modelId="{676323F1-019F-41C1-9CDC-5E63FD27635C}" type="presOf" srcId="{97AF4982-3945-47ED-A185-607FB9ADB404}" destId="{A45DBEEF-95E7-4478-8E5D-0D08BF15CEED}" srcOrd="0" destOrd="9" presId="urn:microsoft.com/office/officeart/2005/8/layout/list1"/>
-    <dgm:cxn modelId="{B53494F3-422D-46F3-8589-5A03AF457516}" type="presOf" srcId="{FECC6AF1-CFDA-4E61-834F-84E8173A1A5F}" destId="{A45DBEEF-95E7-4478-8E5D-0D08BF15CEED}" srcOrd="0" destOrd="6" presId="urn:microsoft.com/office/officeart/2005/8/layout/list1"/>
+    <dgm:cxn modelId="{676323F1-019F-41C1-9CDC-5E63FD27635C}" type="presOf" srcId="{97AF4982-3945-47ED-A185-607FB9ADB404}" destId="{A45DBEEF-95E7-4478-8E5D-0D08BF15CEED}" srcOrd="0" destOrd="2" presId="urn:microsoft.com/office/officeart/2005/8/layout/list1"/>
     <dgm:cxn modelId="{DDE98F57-DF7B-4AF5-9A85-C2FC194FBAEC}" type="presParOf" srcId="{AC43F8BD-5450-4826-B43A-1FE47CCA0FC5}" destId="{FD8C9CC9-7A6C-42D7-8ED0-5B1A9073EFB2}" srcOrd="0" destOrd="0" presId="urn:microsoft.com/office/officeart/2005/8/layout/list1"/>
     <dgm:cxn modelId="{63363B34-D633-4787-B16D-8D83C4B4D754}" type="presParOf" srcId="{FD8C9CC9-7A6C-42D7-8ED0-5B1A9073EFB2}" destId="{C2DC62CD-7B13-42C3-93BC-871C9C425563}" srcOrd="0" destOrd="0" presId="urn:microsoft.com/office/officeart/2005/8/layout/list1"/>
     <dgm:cxn modelId="{876B54BE-7AF9-444D-AE3B-0363469D8131}" type="presParOf" srcId="{FD8C9CC9-7A6C-42D7-8ED0-5B1A9073EFB2}" destId="{CACD1CF9-A050-45F5-B7CC-A47B12877B58}" srcOrd="1" destOrd="0" presId="urn:microsoft.com/office/officeart/2005/8/layout/list1"/>
@@ -1672,8 +1333,8 @@
       </dsp:nvSpPr>
       <dsp:spPr>
         <a:xfrm>
-          <a:off x="0" y="446737"/>
-          <a:ext cx="7105650" cy="3105900"/>
+          <a:off x="0" y="766912"/>
+          <a:ext cx="7105650" cy="1887637"/>
         </a:xfrm>
         <a:prstGeom prst="rect">
           <a:avLst/>
@@ -1711,7 +1372,7 @@
         <a:fontRef idx="minor"/>
       </dsp:style>
       <dsp:txBody>
-        <a:bodyPr spcFirstLastPara="0" vert="horz" wrap="square" lIns="551477" tIns="604012" rIns="551477" bIns="113792" numCol="1" spcCol="1270" anchor="t" anchorCtr="0">
+        <a:bodyPr spcFirstLastPara="0" vert="horz" wrap="square" lIns="551477" tIns="1062228" rIns="551477" bIns="113792" numCol="1" spcCol="1270" anchor="t" anchorCtr="0">
           <a:noAutofit/>
         </a:bodyPr>
         <a:lstStyle/>
@@ -1734,61 +1395,6 @@
           </a:r>
         </a:p>
         <a:p>
-          <a:pPr marL="342900" lvl="2" indent="-171450" algn="l" defTabSz="711200">
-            <a:lnSpc>
-              <a:spcPct val="90000"/>
-            </a:lnSpc>
-            <a:spcBef>
-              <a:spcPct val="0"/>
-            </a:spcBef>
-            <a:spcAft>
-              <a:spcPct val="15000"/>
-            </a:spcAft>
-            <a:buChar char="•"/>
-          </a:pPr>
-          <a:r>
-            <a:rPr lang="en-US" sz="1600" kern="1200" dirty="0" err="1"/>
-            <a:t>ILogger</a:t>
-          </a:r>
-          <a:endParaRPr lang="en-US" sz="1600" kern="1200" dirty="0"/>
-        </a:p>
-        <a:p>
-          <a:pPr marL="342900" lvl="2" indent="-171450" algn="l" defTabSz="711200">
-            <a:lnSpc>
-              <a:spcPct val="90000"/>
-            </a:lnSpc>
-            <a:spcBef>
-              <a:spcPct val="0"/>
-            </a:spcBef>
-            <a:spcAft>
-              <a:spcPct val="15000"/>
-            </a:spcAft>
-            <a:buChar char="•"/>
-          </a:pPr>
-          <a:r>
-            <a:rPr lang="en-US" sz="1600" kern="1200" dirty="0"/>
-            <a:t>Exception bubbles out</a:t>
-          </a:r>
-        </a:p>
-        <a:p>
-          <a:pPr marL="342900" lvl="2" indent="-171450" algn="l" defTabSz="711200">
-            <a:lnSpc>
-              <a:spcPct val="90000"/>
-            </a:lnSpc>
-            <a:spcBef>
-              <a:spcPct val="0"/>
-            </a:spcBef>
-            <a:spcAft>
-              <a:spcPct val="15000"/>
-            </a:spcAft>
-            <a:buChar char="•"/>
-          </a:pPr>
-          <a:r>
-            <a:rPr lang="en-US" sz="1600" kern="1200" dirty="0"/>
-            <a:t>Forwarding data to a Log Analytics workspace (preview) </a:t>
-          </a:r>
-        </a:p>
-        <a:p>
           <a:pPr marL="171450" lvl="1" indent="-171450" algn="l" defTabSz="711200">
             <a:lnSpc>
               <a:spcPct val="90000"/>
@@ -1803,82 +1409,8 @@
           </a:pPr>
           <a:r>
             <a:rPr lang="en-US" sz="1600" kern="1200" dirty="0"/>
-            <a:t>Logging with the NuGet package installed</a:t>
+            <a:t>Logging with the Application Insights NuGet package installed</a:t>
           </a:r>
-        </a:p>
-        <a:p>
-          <a:pPr marL="342900" lvl="2" indent="-171450" algn="l" defTabSz="711200">
-            <a:lnSpc>
-              <a:spcPct val="90000"/>
-            </a:lnSpc>
-            <a:spcBef>
-              <a:spcPct val="0"/>
-            </a:spcBef>
-            <a:spcAft>
-              <a:spcPct val="15000"/>
-            </a:spcAft>
-            <a:buChar char="•"/>
-          </a:pPr>
-          <a:r>
-            <a:rPr lang="en-US" sz="1600" kern="1200"/>
-            <a:t>ILogger</a:t>
-          </a:r>
-        </a:p>
-        <a:p>
-          <a:pPr marL="342900" lvl="2" indent="-171450" algn="l" defTabSz="711200">
-            <a:lnSpc>
-              <a:spcPct val="90000"/>
-            </a:lnSpc>
-            <a:spcBef>
-              <a:spcPct val="0"/>
-            </a:spcBef>
-            <a:spcAft>
-              <a:spcPct val="15000"/>
-            </a:spcAft>
-            <a:buChar char="•"/>
-          </a:pPr>
-          <a:r>
-            <a:rPr lang="en-US" sz="1600" kern="1200" dirty="0"/>
-            <a:t>Exception bubbles out</a:t>
-          </a:r>
-        </a:p>
-        <a:p>
-          <a:pPr marL="342900" lvl="2" indent="-171450" algn="l" defTabSz="711200">
-            <a:lnSpc>
-              <a:spcPct val="90000"/>
-            </a:lnSpc>
-            <a:spcBef>
-              <a:spcPct val="0"/>
-            </a:spcBef>
-            <a:spcAft>
-              <a:spcPct val="15000"/>
-            </a:spcAft>
-            <a:buChar char="•"/>
-          </a:pPr>
-          <a:r>
-            <a:rPr lang="en-US" sz="1600" kern="1200" dirty="0" err="1"/>
-            <a:t>TrackTrace</a:t>
-          </a:r>
-          <a:endParaRPr lang="en-US" sz="1600" kern="1200" dirty="0"/>
-        </a:p>
-        <a:p>
-          <a:pPr marL="342900" lvl="2" indent="-171450" algn="l" defTabSz="711200">
-            <a:lnSpc>
-              <a:spcPct val="90000"/>
-            </a:lnSpc>
-            <a:spcBef>
-              <a:spcPct val="0"/>
-            </a:spcBef>
-            <a:spcAft>
-              <a:spcPct val="15000"/>
-            </a:spcAft>
-            <a:buChar char="•"/>
-          </a:pPr>
-          <a:r>
-            <a:rPr lang="en-US" sz="1600" kern="1200" dirty="0" err="1"/>
-            <a:t>TrackException</a:t>
-          </a:r>
-          <a:endParaRPr lang="en-US" sz="1600" kern="1200" dirty="0"/>
         </a:p>
         <a:p>
           <a:pPr marL="171450" lvl="1" indent="-171450" algn="l" defTabSz="711200">
@@ -1908,8 +1440,8 @@
         </a:p>
       </dsp:txBody>
       <dsp:txXfrm>
-        <a:off x="0" y="446737"/>
-        <a:ext cx="7105650" cy="3105900"/>
+        <a:off x="0" y="766912"/>
+        <a:ext cx="7105650" cy="1887637"/>
       </dsp:txXfrm>
     </dsp:sp>
     <dsp:sp modelId="{CACD1CF9-A050-45F5-B7CC-A47B12877B58}">
@@ -1919,8 +1451,8 @@
       </dsp:nvSpPr>
       <dsp:spPr>
         <a:xfrm>
-          <a:off x="355282" y="18697"/>
-          <a:ext cx="4973955" cy="856080"/>
+          <a:off x="355282" y="14152"/>
+          <a:ext cx="4973955" cy="1505520"/>
         </a:xfrm>
         <a:prstGeom prst="roundRect">
           <a:avLst/>
@@ -1979,8 +1511,8 @@
         </a:p>
       </dsp:txBody>
       <dsp:txXfrm>
-        <a:off x="397072" y="60487"/>
-        <a:ext cx="4890375" cy="772500"/>
+        <a:off x="428775" y="87645"/>
+        <a:ext cx="4826969" cy="1358534"/>
       </dsp:txXfrm>
     </dsp:sp>
     <dsp:sp modelId="{5A02946C-1BA6-4220-A403-540645A2FD28}">
@@ -1990,8 +1522,8 @@
       </dsp:nvSpPr>
       <dsp:spPr>
         <a:xfrm>
-          <a:off x="0" y="4137277"/>
-          <a:ext cx="7105650" cy="1187550"/>
+          <a:off x="0" y="3682710"/>
+          <a:ext cx="7105650" cy="1646662"/>
         </a:xfrm>
         <a:prstGeom prst="rect">
           <a:avLst/>
@@ -2031,7 +1563,7 @@
         <a:fontRef idx="minor"/>
       </dsp:style>
       <dsp:txBody>
-        <a:bodyPr spcFirstLastPara="0" vert="horz" wrap="square" lIns="551477" tIns="604012" rIns="551477" bIns="113792" numCol="1" spcCol="1270" anchor="t" anchorCtr="0">
+        <a:bodyPr spcFirstLastPara="0" vert="horz" wrap="square" lIns="551477" tIns="1062228" rIns="551477" bIns="113792" numCol="1" spcCol="1270" anchor="t" anchorCtr="0">
           <a:noAutofit/>
         </a:bodyPr>
         <a:lstStyle/>
@@ -2050,13 +1582,8 @@
           </a:pPr>
           <a:r>
             <a:rPr lang="en-US" sz="1600" kern="1200" dirty="0"/>
-            <a:t>Logging JSON directly via </a:t>
+            <a:t>Logging JSON directly to Log Analytics</a:t>
           </a:r>
-          <a:r>
-            <a:rPr lang="en-US" sz="1600" kern="1200" dirty="0" err="1"/>
-            <a:t>ILogger</a:t>
-          </a:r>
-          <a:endParaRPr lang="en-US" sz="1600" kern="1200" dirty="0"/>
         </a:p>
         <a:p>
           <a:pPr marL="171450" lvl="1" indent="-171450" algn="l" defTabSz="711200">
@@ -2091,8 +1618,8 @@
         </a:p>
       </dsp:txBody>
       <dsp:txXfrm>
-        <a:off x="0" y="4137277"/>
-        <a:ext cx="7105650" cy="1187550"/>
+        <a:off x="0" y="3682710"/>
+        <a:ext cx="7105650" cy="1646662"/>
       </dsp:txXfrm>
     </dsp:sp>
     <dsp:sp modelId="{B1E9FAE8-D326-4363-99B2-E34922E20CD2}">
@@ -2102,8 +1629,8 @@
       </dsp:nvSpPr>
       <dsp:spPr>
         <a:xfrm>
-          <a:off x="355282" y="3709237"/>
-          <a:ext cx="4973955" cy="856080"/>
+          <a:off x="355282" y="2929950"/>
+          <a:ext cx="4973955" cy="1505520"/>
         </a:xfrm>
         <a:prstGeom prst="roundRect">
           <a:avLst/>
@@ -2183,8 +1710,8 @@
         </a:p>
       </dsp:txBody>
       <dsp:txXfrm>
-        <a:off x="397072" y="3751027"/>
-        <a:ext cx="4890375" cy="772500"/>
+        <a:off x="428775" y="3003443"/>
+        <a:ext cx="4826969" cy="1358534"/>
       </dsp:txXfrm>
     </dsp:sp>
   </dsp:spTree>
@@ -3532,7 +3059,7 @@
           <a:p>
             <a:fld id="{B1AD22C1-78F6-48AA-840D-53A1CECC10D0}" type="datetimeFigureOut">
               <a:rPr lang="en-US" smtClean="0"/>
-              <a:t>8/23/2020</a:t>
+              <a:t>9/5/2020</a:t>
             </a:fld>
             <a:endParaRPr lang="en-US"/>
           </a:p>
@@ -3843,7 +3370,18 @@
           <a:bodyPr/>
           <a:lstStyle/>
           <a:p>
-            <a:endParaRPr lang="en-US" dirty="0"/>
+            <a:r>
+              <a:rPr lang="en-US" dirty="0"/>
+              <a:t>In each case…I’m going to create a new App Insights instance (for the 1</a:t>
+            </a:r>
+            <a:r>
+              <a:rPr lang="en-US" baseline="30000" dirty="0"/>
+              <a:t>st</a:t>
+            </a:r>
+            <a:r>
+              <a:rPr lang="en-US" dirty="0"/>
+              <a:t> 3 tests) and a Log Analytics workspace for every tests.</a:t>
+            </a:r>
           </a:p>
         </p:txBody>
       </p:sp>
@@ -3874,6 +3412,521 @@
     <p:extLst>
       <p:ext uri="{BB962C8B-B14F-4D97-AF65-F5344CB8AC3E}">
         <p14:creationId xmlns:p14="http://schemas.microsoft.com/office/powerpoint/2010/main" val="2043850090"/>
+      </p:ext>
+    </p:extLst>
+  </p:cSld>
+  <p:clrMapOvr>
+    <a:masterClrMapping/>
+  </p:clrMapOvr>
+</p:notes>
+</file>
+
+<file path=ppt/notesSlides/notesSlide2.xml><?xml version="1.0" encoding="utf-8"?>
+<p:notes xmlns:a="http://schemas.openxmlformats.org/drawingml/2006/main" xmlns:r="http://schemas.openxmlformats.org/officeDocument/2006/relationships" xmlns:p="http://schemas.openxmlformats.org/presentationml/2006/main">
+  <p:cSld>
+    <p:spTree>
+      <p:nvGrpSpPr>
+        <p:cNvPr id="1" name=""/>
+        <p:cNvGrpSpPr/>
+        <p:nvPr/>
+      </p:nvGrpSpPr>
+      <p:grpSpPr>
+        <a:xfrm>
+          <a:off x="0" y="0"/>
+          <a:ext cx="0" cy="0"/>
+          <a:chOff x="0" y="0"/>
+          <a:chExt cx="0" cy="0"/>
+        </a:xfrm>
+      </p:grpSpPr>
+      <p:sp>
+        <p:nvSpPr>
+          <p:cNvPr id="2" name="Slide Image Placeholder 1"/>
+          <p:cNvSpPr>
+            <a:spLocks noGrp="1" noRot="1" noChangeAspect="1"/>
+          </p:cNvSpPr>
+          <p:nvPr>
+            <p:ph type="sldImg"/>
+          </p:nvPr>
+        </p:nvSpPr>
+        <p:spPr/>
+      </p:sp>
+      <p:sp>
+        <p:nvSpPr>
+          <p:cNvPr id="3" name="Notes Placeholder 2"/>
+          <p:cNvSpPr>
+            <a:spLocks noGrp="1"/>
+          </p:cNvSpPr>
+          <p:nvPr>
+            <p:ph type="body" idx="1"/>
+          </p:nvPr>
+        </p:nvSpPr>
+        <p:spPr/>
+        <p:txBody>
+          <a:bodyPr/>
+          <a:lstStyle/>
+          <a:p>
+            <a:r>
+              <a:rPr lang="en-US" dirty="0"/>
+              <a:t>Create new Application Insights and Log Analytics workspace</a:t>
+            </a:r>
+          </a:p>
+        </p:txBody>
+      </p:sp>
+      <p:sp>
+        <p:nvSpPr>
+          <p:cNvPr id="4" name="Slide Number Placeholder 3"/>
+          <p:cNvSpPr>
+            <a:spLocks noGrp="1"/>
+          </p:cNvSpPr>
+          <p:nvPr>
+            <p:ph type="sldNum" sz="quarter" idx="5"/>
+          </p:nvPr>
+        </p:nvSpPr>
+        <p:spPr/>
+        <p:txBody>
+          <a:bodyPr/>
+          <a:lstStyle/>
+          <a:p>
+            <a:fld id="{EBEE39C1-7364-4DD4-90B8-92ACE4B26CFC}" type="slidenum">
+              <a:rPr lang="en-US" smtClean="0"/>
+              <a:t>3</a:t>
+            </a:fld>
+            <a:endParaRPr lang="en-US"/>
+          </a:p>
+        </p:txBody>
+      </p:sp>
+    </p:spTree>
+    <p:extLst>
+      <p:ext uri="{BB962C8B-B14F-4D97-AF65-F5344CB8AC3E}">
+        <p14:creationId xmlns:p14="http://schemas.microsoft.com/office/powerpoint/2010/main" val="3504934791"/>
+      </p:ext>
+    </p:extLst>
+  </p:cSld>
+  <p:clrMapOvr>
+    <a:masterClrMapping/>
+  </p:clrMapOvr>
+</p:notes>
+</file>
+
+<file path=ppt/notesSlides/notesSlide3.xml><?xml version="1.0" encoding="utf-8"?>
+<p:notes xmlns:a="http://schemas.openxmlformats.org/drawingml/2006/main" xmlns:r="http://schemas.openxmlformats.org/officeDocument/2006/relationships" xmlns:p="http://schemas.openxmlformats.org/presentationml/2006/main">
+  <p:cSld>
+    <p:spTree>
+      <p:nvGrpSpPr>
+        <p:cNvPr id="1" name=""/>
+        <p:cNvGrpSpPr/>
+        <p:nvPr/>
+      </p:nvGrpSpPr>
+      <p:grpSpPr>
+        <a:xfrm>
+          <a:off x="0" y="0"/>
+          <a:ext cx="0" cy="0"/>
+          <a:chOff x="0" y="0"/>
+          <a:chExt cx="0" cy="0"/>
+        </a:xfrm>
+      </p:grpSpPr>
+      <p:sp>
+        <p:nvSpPr>
+          <p:cNvPr id="2" name="Slide Image Placeholder 1"/>
+          <p:cNvSpPr>
+            <a:spLocks noGrp="1" noRot="1" noChangeAspect="1"/>
+          </p:cNvSpPr>
+          <p:nvPr>
+            <p:ph type="sldImg"/>
+          </p:nvPr>
+        </p:nvSpPr>
+        <p:spPr/>
+      </p:sp>
+      <p:sp>
+        <p:nvSpPr>
+          <p:cNvPr id="3" name="Notes Placeholder 2"/>
+          <p:cNvSpPr>
+            <a:spLocks noGrp="1"/>
+          </p:cNvSpPr>
+          <p:nvPr>
+            <p:ph type="body" idx="1"/>
+          </p:nvPr>
+        </p:nvSpPr>
+        <p:spPr/>
+        <p:txBody>
+          <a:bodyPr/>
+          <a:lstStyle/>
+          <a:p>
+            <a:pPr marL="0" marR="0" lvl="0" indent="0" algn="l" defTabSz="914400" rtl="0" eaLnBrk="1" fontAlgn="auto" latinLnBrk="0" hangingPunct="1">
+              <a:lnSpc>
+                <a:spcPct val="100000"/>
+              </a:lnSpc>
+              <a:spcBef>
+                <a:spcPts val="0"/>
+              </a:spcBef>
+              <a:spcAft>
+                <a:spcPts val="0"/>
+              </a:spcAft>
+              <a:buClrTx/>
+              <a:buSzTx/>
+              <a:buFontTx/>
+              <a:buNone/>
+              <a:tabLst/>
+              <a:defRPr/>
+            </a:pPr>
+            <a:r>
+              <a:rPr lang="en-US" dirty="0"/>
+              <a:t>Create new Application Insights and Log Analytics workspace</a:t>
+            </a:r>
+          </a:p>
+          <a:p>
+            <a:endParaRPr lang="en-US" dirty="0"/>
+          </a:p>
+        </p:txBody>
+      </p:sp>
+      <p:sp>
+        <p:nvSpPr>
+          <p:cNvPr id="4" name="Slide Number Placeholder 3"/>
+          <p:cNvSpPr>
+            <a:spLocks noGrp="1"/>
+          </p:cNvSpPr>
+          <p:nvPr>
+            <p:ph type="sldNum" sz="quarter" idx="5"/>
+          </p:nvPr>
+        </p:nvSpPr>
+        <p:spPr/>
+        <p:txBody>
+          <a:bodyPr/>
+          <a:lstStyle/>
+          <a:p>
+            <a:fld id="{EBEE39C1-7364-4DD4-90B8-92ACE4B26CFC}" type="slidenum">
+              <a:rPr lang="en-US" smtClean="0"/>
+              <a:t>4</a:t>
+            </a:fld>
+            <a:endParaRPr lang="en-US"/>
+          </a:p>
+        </p:txBody>
+      </p:sp>
+    </p:spTree>
+    <p:extLst>
+      <p:ext uri="{BB962C8B-B14F-4D97-AF65-F5344CB8AC3E}">
+        <p14:creationId xmlns:p14="http://schemas.microsoft.com/office/powerpoint/2010/main" val="88749934"/>
+      </p:ext>
+    </p:extLst>
+  </p:cSld>
+  <p:clrMapOvr>
+    <a:masterClrMapping/>
+  </p:clrMapOvr>
+</p:notes>
+</file>
+
+<file path=ppt/notesSlides/notesSlide4.xml><?xml version="1.0" encoding="utf-8"?>
+<p:notes xmlns:a="http://schemas.openxmlformats.org/drawingml/2006/main" xmlns:r="http://schemas.openxmlformats.org/officeDocument/2006/relationships" xmlns:p="http://schemas.openxmlformats.org/presentationml/2006/main">
+  <p:cSld>
+    <p:spTree>
+      <p:nvGrpSpPr>
+        <p:cNvPr id="1" name=""/>
+        <p:cNvGrpSpPr/>
+        <p:nvPr/>
+      </p:nvGrpSpPr>
+      <p:grpSpPr>
+        <a:xfrm>
+          <a:off x="0" y="0"/>
+          <a:ext cx="0" cy="0"/>
+          <a:chOff x="0" y="0"/>
+          <a:chExt cx="0" cy="0"/>
+        </a:xfrm>
+      </p:grpSpPr>
+      <p:sp>
+        <p:nvSpPr>
+          <p:cNvPr id="2" name="Slide Image Placeholder 1"/>
+          <p:cNvSpPr>
+            <a:spLocks noGrp="1" noRot="1" noChangeAspect="1"/>
+          </p:cNvSpPr>
+          <p:nvPr>
+            <p:ph type="sldImg"/>
+          </p:nvPr>
+        </p:nvSpPr>
+        <p:spPr/>
+      </p:sp>
+      <p:sp>
+        <p:nvSpPr>
+          <p:cNvPr id="3" name="Notes Placeholder 2"/>
+          <p:cNvSpPr>
+            <a:spLocks noGrp="1"/>
+          </p:cNvSpPr>
+          <p:nvPr>
+            <p:ph type="body" idx="1"/>
+          </p:nvPr>
+        </p:nvSpPr>
+        <p:spPr/>
+        <p:txBody>
+          <a:bodyPr/>
+          <a:lstStyle/>
+          <a:p>
+            <a:pPr marL="0" marR="0" lvl="0" indent="0" algn="l" defTabSz="914400" rtl="0" eaLnBrk="1" fontAlgn="auto" latinLnBrk="0" hangingPunct="1">
+              <a:lnSpc>
+                <a:spcPct val="100000"/>
+              </a:lnSpc>
+              <a:spcBef>
+                <a:spcPts val="0"/>
+              </a:spcBef>
+              <a:spcAft>
+                <a:spcPts val="0"/>
+              </a:spcAft>
+              <a:buClrTx/>
+              <a:buSzTx/>
+              <a:buFontTx/>
+              <a:buNone/>
+              <a:tabLst/>
+              <a:defRPr/>
+            </a:pPr>
+            <a:r>
+              <a:rPr lang="en-US" dirty="0"/>
+              <a:t>Create new Application Insights and Log Analytics workspace</a:t>
+            </a:r>
+          </a:p>
+          <a:p>
+            <a:endParaRPr lang="en-US" dirty="0"/>
+          </a:p>
+        </p:txBody>
+      </p:sp>
+      <p:sp>
+        <p:nvSpPr>
+          <p:cNvPr id="4" name="Slide Number Placeholder 3"/>
+          <p:cNvSpPr>
+            <a:spLocks noGrp="1"/>
+          </p:cNvSpPr>
+          <p:nvPr>
+            <p:ph type="sldNum" sz="quarter" idx="5"/>
+          </p:nvPr>
+        </p:nvSpPr>
+        <p:spPr/>
+        <p:txBody>
+          <a:bodyPr/>
+          <a:lstStyle/>
+          <a:p>
+            <a:fld id="{EBEE39C1-7364-4DD4-90B8-92ACE4B26CFC}" type="slidenum">
+              <a:rPr lang="en-US" smtClean="0"/>
+              <a:t>5</a:t>
+            </a:fld>
+            <a:endParaRPr lang="en-US"/>
+          </a:p>
+        </p:txBody>
+      </p:sp>
+    </p:spTree>
+    <p:extLst>
+      <p:ext uri="{BB962C8B-B14F-4D97-AF65-F5344CB8AC3E}">
+        <p14:creationId xmlns:p14="http://schemas.microsoft.com/office/powerpoint/2010/main" val="1705524457"/>
+      </p:ext>
+    </p:extLst>
+  </p:cSld>
+  <p:clrMapOvr>
+    <a:masterClrMapping/>
+  </p:clrMapOvr>
+</p:notes>
+</file>
+
+<file path=ppt/notesSlides/notesSlide5.xml><?xml version="1.0" encoding="utf-8"?>
+<p:notes xmlns:a="http://schemas.openxmlformats.org/drawingml/2006/main" xmlns:r="http://schemas.openxmlformats.org/officeDocument/2006/relationships" xmlns:p="http://schemas.openxmlformats.org/presentationml/2006/main">
+  <p:cSld>
+    <p:spTree>
+      <p:nvGrpSpPr>
+        <p:cNvPr id="1" name=""/>
+        <p:cNvGrpSpPr/>
+        <p:nvPr/>
+      </p:nvGrpSpPr>
+      <p:grpSpPr>
+        <a:xfrm>
+          <a:off x="0" y="0"/>
+          <a:ext cx="0" cy="0"/>
+          <a:chOff x="0" y="0"/>
+          <a:chExt cx="0" cy="0"/>
+        </a:xfrm>
+      </p:grpSpPr>
+      <p:sp>
+        <p:nvSpPr>
+          <p:cNvPr id="2" name="Slide Image Placeholder 1"/>
+          <p:cNvSpPr>
+            <a:spLocks noGrp="1" noRot="1" noChangeAspect="1"/>
+          </p:cNvSpPr>
+          <p:nvPr>
+            <p:ph type="sldImg"/>
+          </p:nvPr>
+        </p:nvSpPr>
+        <p:spPr/>
+      </p:sp>
+      <p:sp>
+        <p:nvSpPr>
+          <p:cNvPr id="3" name="Notes Placeholder 2"/>
+          <p:cNvSpPr>
+            <a:spLocks noGrp="1"/>
+          </p:cNvSpPr>
+          <p:nvPr>
+            <p:ph type="body" idx="1"/>
+          </p:nvPr>
+        </p:nvSpPr>
+        <p:spPr/>
+        <p:txBody>
+          <a:bodyPr/>
+          <a:lstStyle/>
+          <a:p>
+            <a:pPr marL="0" marR="0" lvl="0" indent="0" algn="l" defTabSz="914400" rtl="0" eaLnBrk="1" fontAlgn="auto" latinLnBrk="0" hangingPunct="1">
+              <a:lnSpc>
+                <a:spcPct val="100000"/>
+              </a:lnSpc>
+              <a:spcBef>
+                <a:spcPts val="0"/>
+              </a:spcBef>
+              <a:spcAft>
+                <a:spcPts val="0"/>
+              </a:spcAft>
+              <a:buClrTx/>
+              <a:buSzTx/>
+              <a:buFontTx/>
+              <a:buNone/>
+              <a:tabLst/>
+              <a:defRPr/>
+            </a:pPr>
+            <a:r>
+              <a:rPr lang="en-US" dirty="0"/>
+              <a:t>Create new Log Analytics workspace</a:t>
+            </a:r>
+          </a:p>
+          <a:p>
+            <a:endParaRPr lang="en-US" dirty="0"/>
+          </a:p>
+        </p:txBody>
+      </p:sp>
+      <p:sp>
+        <p:nvSpPr>
+          <p:cNvPr id="4" name="Slide Number Placeholder 3"/>
+          <p:cNvSpPr>
+            <a:spLocks noGrp="1"/>
+          </p:cNvSpPr>
+          <p:nvPr>
+            <p:ph type="sldNum" sz="quarter" idx="5"/>
+          </p:nvPr>
+        </p:nvSpPr>
+        <p:spPr/>
+        <p:txBody>
+          <a:bodyPr/>
+          <a:lstStyle/>
+          <a:p>
+            <a:fld id="{EBEE39C1-7364-4DD4-90B8-92ACE4B26CFC}" type="slidenum">
+              <a:rPr lang="en-US" smtClean="0"/>
+              <a:t>6</a:t>
+            </a:fld>
+            <a:endParaRPr lang="en-US"/>
+          </a:p>
+        </p:txBody>
+      </p:sp>
+    </p:spTree>
+    <p:extLst>
+      <p:ext uri="{BB962C8B-B14F-4D97-AF65-F5344CB8AC3E}">
+        <p14:creationId xmlns:p14="http://schemas.microsoft.com/office/powerpoint/2010/main" val="1227055354"/>
+      </p:ext>
+    </p:extLst>
+  </p:cSld>
+  <p:clrMapOvr>
+    <a:masterClrMapping/>
+  </p:clrMapOvr>
+</p:notes>
+</file>
+
+<file path=ppt/notesSlides/notesSlide6.xml><?xml version="1.0" encoding="utf-8"?>
+<p:notes xmlns:a="http://schemas.openxmlformats.org/drawingml/2006/main" xmlns:r="http://schemas.openxmlformats.org/officeDocument/2006/relationships" xmlns:p="http://schemas.openxmlformats.org/presentationml/2006/main">
+  <p:cSld>
+    <p:spTree>
+      <p:nvGrpSpPr>
+        <p:cNvPr id="1" name=""/>
+        <p:cNvGrpSpPr/>
+        <p:nvPr/>
+      </p:nvGrpSpPr>
+      <p:grpSpPr>
+        <a:xfrm>
+          <a:off x="0" y="0"/>
+          <a:ext cx="0" cy="0"/>
+          <a:chOff x="0" y="0"/>
+          <a:chExt cx="0" cy="0"/>
+        </a:xfrm>
+      </p:grpSpPr>
+      <p:sp>
+        <p:nvSpPr>
+          <p:cNvPr id="2" name="Slide Image Placeholder 1"/>
+          <p:cNvSpPr>
+            <a:spLocks noGrp="1" noRot="1" noChangeAspect="1"/>
+          </p:cNvSpPr>
+          <p:nvPr>
+            <p:ph type="sldImg"/>
+          </p:nvPr>
+        </p:nvSpPr>
+        <p:spPr/>
+      </p:sp>
+      <p:sp>
+        <p:nvSpPr>
+          <p:cNvPr id="3" name="Notes Placeholder 2"/>
+          <p:cNvSpPr>
+            <a:spLocks noGrp="1"/>
+          </p:cNvSpPr>
+          <p:nvPr>
+            <p:ph type="body" idx="1"/>
+          </p:nvPr>
+        </p:nvSpPr>
+        <p:spPr/>
+        <p:txBody>
+          <a:bodyPr/>
+          <a:lstStyle/>
+          <a:p>
+            <a:pPr marL="0" marR="0" lvl="0" indent="0" algn="l" defTabSz="914400" rtl="0" eaLnBrk="1" fontAlgn="auto" latinLnBrk="0" hangingPunct="1">
+              <a:lnSpc>
+                <a:spcPct val="100000"/>
+              </a:lnSpc>
+              <a:spcBef>
+                <a:spcPts val="0"/>
+              </a:spcBef>
+              <a:spcAft>
+                <a:spcPts val="0"/>
+              </a:spcAft>
+              <a:buClrTx/>
+              <a:buSzTx/>
+              <a:buFontTx/>
+              <a:buNone/>
+              <a:tabLst/>
+              <a:defRPr/>
+            </a:pPr>
+            <a:r>
+              <a:rPr lang="en-US" dirty="0"/>
+              <a:t>Create new Log Analytics workspace</a:t>
+            </a:r>
+          </a:p>
+          <a:p>
+            <a:endParaRPr lang="en-US" dirty="0"/>
+          </a:p>
+        </p:txBody>
+      </p:sp>
+      <p:sp>
+        <p:nvSpPr>
+          <p:cNvPr id="4" name="Slide Number Placeholder 3"/>
+          <p:cNvSpPr>
+            <a:spLocks noGrp="1"/>
+          </p:cNvSpPr>
+          <p:nvPr>
+            <p:ph type="sldNum" sz="quarter" idx="5"/>
+          </p:nvPr>
+        </p:nvSpPr>
+        <p:spPr/>
+        <p:txBody>
+          <a:bodyPr/>
+          <a:lstStyle/>
+          <a:p>
+            <a:fld id="{EBEE39C1-7364-4DD4-90B8-92ACE4B26CFC}" type="slidenum">
+              <a:rPr lang="en-US" smtClean="0"/>
+              <a:t>7</a:t>
+            </a:fld>
+            <a:endParaRPr lang="en-US"/>
+          </a:p>
+        </p:txBody>
+      </p:sp>
+    </p:spTree>
+    <p:extLst>
+      <p:ext uri="{BB962C8B-B14F-4D97-AF65-F5344CB8AC3E}">
+        <p14:creationId xmlns:p14="http://schemas.microsoft.com/office/powerpoint/2010/main" val="3343880295"/>
       </p:ext>
     </p:extLst>
   </p:cSld>
@@ -4214,7 +4267,7 @@
           <a:p>
             <a:fld id="{0932F996-5466-48F1-9D99-C5D06177141C}" type="datetimeFigureOut">
               <a:rPr lang="en-US" smtClean="0"/>
-              <a:t>8/23/2020</a:t>
+              <a:t>9/5/2020</a:t>
             </a:fld>
             <a:endParaRPr lang="en-US"/>
           </a:p>
@@ -4538,7 +4591,7 @@
           <a:p>
             <a:fld id="{0932F996-5466-48F1-9D99-C5D06177141C}" type="datetimeFigureOut">
               <a:rPr lang="en-US" smtClean="0"/>
-              <a:t>8/23/2020</a:t>
+              <a:t>9/5/2020</a:t>
             </a:fld>
             <a:endParaRPr lang="en-US"/>
           </a:p>
@@ -4786,7 +4839,7 @@
           <a:p>
             <a:fld id="{0932F996-5466-48F1-9D99-C5D06177141C}" type="datetimeFigureOut">
               <a:rPr lang="en-US" smtClean="0"/>
-              <a:t>8/23/2020</a:t>
+              <a:t>9/5/2020</a:t>
             </a:fld>
             <a:endParaRPr lang="en-US"/>
           </a:p>
@@ -5125,7 +5178,7 @@
           <a:p>
             <a:fld id="{0932F996-5466-48F1-9D99-C5D06177141C}" type="datetimeFigureOut">
               <a:rPr lang="en-US" smtClean="0"/>
-              <a:t>8/23/2020</a:t>
+              <a:t>9/5/2020</a:t>
             </a:fld>
             <a:endParaRPr lang="en-US"/>
           </a:p>
@@ -5472,7 +5525,7 @@
           <a:p>
             <a:fld id="{0932F996-5466-48F1-9D99-C5D06177141C}" type="datetimeFigureOut">
               <a:rPr lang="en-US" smtClean="0"/>
-              <a:t>8/23/2020</a:t>
+              <a:t>9/5/2020</a:t>
             </a:fld>
             <a:endParaRPr lang="en-US"/>
           </a:p>
@@ -5846,7 +5899,7 @@
           <a:p>
             <a:fld id="{0932F996-5466-48F1-9D99-C5D06177141C}" type="datetimeFigureOut">
               <a:rPr lang="en-US" smtClean="0"/>
-              <a:t>8/23/2020</a:t>
+              <a:t>9/5/2020</a:t>
             </a:fld>
             <a:endParaRPr lang="en-US"/>
           </a:p>
@@ -6316,7 +6369,7 @@
           <a:p>
             <a:fld id="{0932F996-5466-48F1-9D99-C5D06177141C}" type="datetimeFigureOut">
               <a:rPr lang="en-US" smtClean="0"/>
-              <a:t>8/23/2020</a:t>
+              <a:t>9/5/2020</a:t>
             </a:fld>
             <a:endParaRPr lang="en-US"/>
           </a:p>
@@ -6521,7 +6574,7 @@
           <a:p>
             <a:fld id="{0932F996-5466-48F1-9D99-C5D06177141C}" type="datetimeFigureOut">
               <a:rPr lang="en-US" smtClean="0"/>
-              <a:t>8/23/2020</a:t>
+              <a:t>9/5/2020</a:t>
             </a:fld>
             <a:endParaRPr lang="en-US"/>
           </a:p>
@@ -6732,7 +6785,7 @@
           <a:p>
             <a:fld id="{0932F996-5466-48F1-9D99-C5D06177141C}" type="datetimeFigureOut">
               <a:rPr lang="en-US" smtClean="0"/>
-              <a:t>8/23/2020</a:t>
+              <a:t>9/5/2020</a:t>
             </a:fld>
             <a:endParaRPr lang="en-US"/>
           </a:p>
@@ -6964,7 +7017,7 @@
           <a:p>
             <a:fld id="{0932F996-5466-48F1-9D99-C5D06177141C}" type="datetimeFigureOut">
               <a:rPr lang="en-US" smtClean="0"/>
-              <a:t>8/23/2020</a:t>
+              <a:t>9/5/2020</a:t>
             </a:fld>
             <a:endParaRPr lang="en-US"/>
           </a:p>
@@ -7212,7 +7265,7 @@
           <a:p>
             <a:fld id="{0932F996-5466-48F1-9D99-C5D06177141C}" type="datetimeFigureOut">
               <a:rPr lang="en-US" smtClean="0"/>
-              <a:t>8/23/2020</a:t>
+              <a:t>9/5/2020</a:t>
             </a:fld>
             <a:endParaRPr lang="en-US"/>
           </a:p>
@@ -7510,7 +7563,7 @@
           <a:p>
             <a:fld id="{0932F996-5466-48F1-9D99-C5D06177141C}" type="datetimeFigureOut">
               <a:rPr lang="en-US" smtClean="0"/>
-              <a:t>8/23/2020</a:t>
+              <a:t>9/5/2020</a:t>
             </a:fld>
             <a:endParaRPr lang="en-US"/>
           </a:p>
@@ -7904,7 +7957,7 @@
           <a:p>
             <a:fld id="{0932F996-5466-48F1-9D99-C5D06177141C}" type="datetimeFigureOut">
               <a:rPr lang="en-US" smtClean="0"/>
-              <a:t>8/23/2020</a:t>
+              <a:t>9/5/2020</a:t>
             </a:fld>
             <a:endParaRPr lang="en-US"/>
           </a:p>
@@ -8053,7 +8106,7 @@
           <a:p>
             <a:fld id="{0932F996-5466-48F1-9D99-C5D06177141C}" type="datetimeFigureOut">
               <a:rPr lang="en-US" smtClean="0"/>
-              <a:t>8/23/2020</a:t>
+              <a:t>9/5/2020</a:t>
             </a:fld>
             <a:endParaRPr lang="en-US"/>
           </a:p>
@@ -8179,7 +8232,7 @@
           <a:p>
             <a:fld id="{0932F996-5466-48F1-9D99-C5D06177141C}" type="datetimeFigureOut">
               <a:rPr lang="en-US" smtClean="0"/>
-              <a:t>8/23/2020</a:t>
+              <a:t>9/5/2020</a:t>
             </a:fld>
             <a:endParaRPr lang="en-US"/>
           </a:p>
@@ -8434,7 +8487,7 @@
           <a:p>
             <a:fld id="{0932F996-5466-48F1-9D99-C5D06177141C}" type="datetimeFigureOut">
               <a:rPr lang="en-US" smtClean="0"/>
-              <a:t>8/23/2020</a:t>
+              <a:t>9/5/2020</a:t>
             </a:fld>
             <a:endParaRPr lang="en-US"/>
           </a:p>
@@ -8749,7 +8802,7 @@
           <a:p>
             <a:fld id="{0932F996-5466-48F1-9D99-C5D06177141C}" type="datetimeFigureOut">
               <a:rPr lang="en-US" smtClean="0"/>
-              <a:t>8/23/2020</a:t>
+              <a:t>9/5/2020</a:t>
             </a:fld>
             <a:endParaRPr lang="en-US"/>
           </a:p>
@@ -9100,7 +9153,7 @@
           <a:p>
             <a:fld id="{0932F996-5466-48F1-9D99-C5D06177141C}" type="datetimeFigureOut">
               <a:rPr lang="en-US" smtClean="0"/>
-              <a:t>8/23/2020</a:t>
+              <a:t>9/5/2020</a:t>
             </a:fld>
             <a:endParaRPr lang="en-US"/>
           </a:p>
@@ -9995,8 +10048,8 @@
           <a:lstStyle/>
           <a:p>
             <a:r>
-              <a:rPr lang="en-US"/>
-              <a:t>Azure Function logging</a:t>
+              <a:rPr lang="en-US" dirty="0"/>
+              <a:t>from an Azure Function perspective</a:t>
             </a:r>
           </a:p>
         </p:txBody>
@@ -10525,7 +10578,7 @@
             <p:ph idx="1"/>
             <p:extLst>
               <p:ext uri="{D42A27DB-BD31-4B8C-83A1-F6EECF244321}">
-                <p14:modId xmlns:p14="http://schemas.microsoft.com/office/powerpoint/2010/main" val="2791112005"/>
+                <p14:modId xmlns:p14="http://schemas.microsoft.com/office/powerpoint/2010/main" val="3412866225"/>
               </p:ext>
             </p:extLst>
           </p:nvPr>
@@ -10559,7 +10612,7 @@
     <p:bg>
       <p:bgPr>
         <a:blipFill>
-          <a:blip r:embed="rId2"/>
+          <a:blip r:embed="rId3"/>
           <a:stretch/>
         </a:blipFill>
         <a:effectLst/>
@@ -10787,7 +10840,7 @@
     <p:bg>
       <p:bgPr>
         <a:blipFill>
-          <a:blip r:embed="rId2"/>
+          <a:blip r:embed="rId3"/>
           <a:stretch/>
         </a:blipFill>
         <a:effectLst/>
@@ -10830,7 +10883,7 @@
         </p:spPr>
         <p:txBody>
           <a:bodyPr>
-            <a:normAutofit/>
+            <a:normAutofit fontScale="90000"/>
           </a:bodyPr>
           <a:lstStyle/>
           <a:p>
@@ -10848,7 +10901,14 @@
             </a:br>
             <a:r>
               <a:rPr lang="en-US" sz="2800" dirty="0"/>
-              <a:t>Logging with the NuGet package installed</a:t>
+              <a:t>Logging with the App Insights </a:t>
+            </a:r>
+            <a:br>
+              <a:rPr lang="en-US" sz="2800" dirty="0"/>
+            </a:br>
+            <a:r>
+              <a:rPr lang="en-US" sz="2800" dirty="0"/>
+              <a:t>NuGet package installed</a:t>
             </a:r>
           </a:p>
         </p:txBody>
@@ -11051,7 +11111,7 @@
     <p:bg>
       <p:bgPr>
         <a:blipFill>
-          <a:blip r:embed="rId2"/>
+          <a:blip r:embed="rId3"/>
           <a:stretch/>
         </a:blipFill>
         <a:effectLst/>
@@ -11266,7 +11326,7 @@
     <p:bg>
       <p:bgPr>
         <a:blipFill>
-          <a:blip r:embed="rId2"/>
+          <a:blip r:embed="rId3"/>
           <a:stretch/>
         </a:blipFill>
         <a:effectLst/>
@@ -11327,13 +11387,8 @@
             </a:br>
             <a:r>
               <a:rPr lang="en-US" sz="2800" dirty="0"/>
-              <a:t>Logging JSON directly via </a:t>
-            </a:r>
-            <a:r>
-              <a:rPr lang="en-US" sz="2800" dirty="0" err="1"/>
-              <a:t>ILogger</a:t>
-            </a:r>
-            <a:endParaRPr lang="en-US" sz="2800" dirty="0"/>
+              <a:t>Logging JSON directly</a:t>
+            </a:r>
           </a:p>
         </p:txBody>
       </p:sp>
@@ -11365,7 +11420,7 @@
             </a:pPr>
             <a:r>
               <a:rPr lang="en-US" sz="1600" dirty="0"/>
-              <a:t>Examine the shape of the JSON</a:t>
+              <a:t>This is NOT recommended, but an interesting lesson so that we can…</a:t>
             </a:r>
           </a:p>
           <a:p>
@@ -11380,7 +11435,37 @@
             </a:pPr>
             <a:r>
               <a:rPr lang="en-US" sz="1600" dirty="0"/>
+              <a:t>Examine the shape of the JSON</a:t>
+            </a:r>
+          </a:p>
+          <a:p>
+            <a:pPr marL="0" indent="0">
+              <a:buNone/>
+            </a:pPr>
+            <a:endParaRPr lang="en-US" sz="1600" dirty="0"/>
+          </a:p>
+          <a:p>
+            <a:pPr marL="0" indent="0">
+              <a:buNone/>
+            </a:pPr>
+            <a:r>
+              <a:rPr lang="en-US" sz="1600" dirty="0"/>
               <a:t>Examine how it appears in the custom log</a:t>
+            </a:r>
+          </a:p>
+          <a:p>
+            <a:pPr marL="0" indent="0">
+              <a:buNone/>
+            </a:pPr>
+            <a:endParaRPr lang="en-US" sz="1600" dirty="0"/>
+          </a:p>
+          <a:p>
+            <a:pPr marL="0" indent="0">
+              <a:buNone/>
+            </a:pPr>
+            <a:r>
+              <a:rPr lang="en-US" sz="1600" dirty="0"/>
+              <a:t>What happens if we change the shape of the JSON?</a:t>
             </a:r>
           </a:p>
         </p:txBody>
@@ -11404,7 +11489,7 @@
     <p:bg>
       <p:bgPr>
         <a:blipFill>
-          <a:blip r:embed="rId2"/>
+          <a:blip r:embed="rId3"/>
           <a:stretch/>
         </a:blipFill>
         <a:effectLst/>
@@ -11528,6 +11613,27 @@
               <a:rPr lang="en-US" sz="1600" dirty="0"/>
               <a:t>Examine how it appears in the custom log</a:t>
             </a:r>
+          </a:p>
+          <a:p>
+            <a:pPr marL="0" indent="0">
+              <a:buNone/>
+            </a:pPr>
+            <a:endParaRPr lang="en-US" sz="1600" dirty="0"/>
+          </a:p>
+          <a:p>
+            <a:pPr marL="0" indent="0">
+              <a:buNone/>
+            </a:pPr>
+            <a:r>
+              <a:rPr lang="en-US" sz="1600" dirty="0"/>
+              <a:t>What happens if we change the shape of the JSON?</a:t>
+            </a:r>
+          </a:p>
+          <a:p>
+            <a:pPr marL="0" indent="0">
+              <a:buNone/>
+            </a:pPr>
+            <a:endParaRPr lang="en-US" sz="1600" dirty="0"/>
           </a:p>
         </p:txBody>
       </p:sp>

--- a/AppInsights and Log Analytics.pptx
+++ b/AppInsights and Log Analytics.pptx
@@ -5,16 +5,15 @@
     <p:sldMasterId id="2147483660" r:id="rId1"/>
   </p:sldMasterIdLst>
   <p:notesMasterIdLst>
-    <p:notesMasterId r:id="rId9"/>
+    <p:notesMasterId r:id="rId8"/>
   </p:notesMasterIdLst>
   <p:sldIdLst>
     <p:sldId id="256" r:id="rId2"/>
     <p:sldId id="262" r:id="rId3"/>
-    <p:sldId id="258" r:id="rId4"/>
-    <p:sldId id="260" r:id="rId5"/>
-    <p:sldId id="261" r:id="rId6"/>
-    <p:sldId id="263" r:id="rId7"/>
-    <p:sldId id="264" r:id="rId8"/>
+    <p:sldId id="260" r:id="rId4"/>
+    <p:sldId id="261" r:id="rId5"/>
+    <p:sldId id="263" r:id="rId6"/>
+    <p:sldId id="264" r:id="rId7"/>
   </p:sldIdLst>
   <p:sldSz cx="12192000" cy="6858000"/>
   <p:notesSz cx="6858000" cy="9144000"/>
@@ -975,7 +974,7 @@
         <a:p>
           <a:r>
             <a:rPr lang="en-US" sz="1600" dirty="0"/>
-            <a:t>Logging with just an instrumentation key</a:t>
+            <a:t>Logging with the Application Insights</a:t>
           </a:r>
         </a:p>
       </dgm:t>
@@ -992,50 +991,6 @@
       </dgm:t>
     </dgm:pt>
     <dgm:pt modelId="{9E5666FF-1E0E-4A17-855D-5551F6F29624}" type="sibTrans" cxnId="{01A8D179-B222-42FC-BC5E-85F5E351F1B8}">
-      <dgm:prSet/>
-      <dgm:spPr/>
-      <dgm:t>
-        <a:bodyPr/>
-        <a:lstStyle/>
-        <a:p>
-          <a:endParaRPr lang="en-US"/>
-        </a:p>
-      </dgm:t>
-    </dgm:pt>
-    <dgm:pt modelId="{4A9FDBF4-3705-490E-A1A8-1EDE9B989BD3}">
-      <dgm:prSet custT="1"/>
-      <dgm:spPr>
-        <a:solidFill>
-          <a:schemeClr val="lt1">
-            <a:hueOff val="0"/>
-            <a:satOff val="0"/>
-            <a:lumOff val="0"/>
-          </a:schemeClr>
-        </a:solidFill>
-      </dgm:spPr>
-      <dgm:t>
-        <a:bodyPr/>
-        <a:lstStyle/>
-        <a:p>
-          <a:r>
-            <a:rPr lang="en-US" sz="1600" dirty="0"/>
-            <a:t>Logging with the Application Insights NuGet package installed</a:t>
-          </a:r>
-        </a:p>
-      </dgm:t>
-    </dgm:pt>
-    <dgm:pt modelId="{C03E2ED8-71C3-4F15-923A-BE244D045FCA}" type="parTrans" cxnId="{DA4C3DEE-3FA9-49C9-BE18-E4A1F087B9A8}">
-      <dgm:prSet/>
-      <dgm:spPr/>
-      <dgm:t>
-        <a:bodyPr/>
-        <a:lstStyle/>
-        <a:p>
-          <a:endParaRPr lang="en-US"/>
-        </a:p>
-      </dgm:t>
-    </dgm:pt>
-    <dgm:pt modelId="{62A2CB9C-C124-4C2A-9178-7CB68C05AA46}" type="sibTrans" cxnId="{DA4C3DEE-3FA9-49C9-BE18-E4A1F087B9A8}">
       <dgm:prSet/>
       <dgm:spPr/>
       <dgm:t>
@@ -1283,8 +1238,7 @@
     <dgm:cxn modelId="{840F0739-B457-4224-B3AA-37EBCE58FB1A}" type="presOf" srcId="{B514D909-99AA-4C03-BC63-C696EB01927E}" destId="{5A02946C-1BA6-4220-A403-540645A2FD28}" srcOrd="0" destOrd="0" presId="urn:microsoft.com/office/officeart/2005/8/layout/list1"/>
     <dgm:cxn modelId="{E695083B-DACF-418A-8A6D-C01958DBCDC5}" srcId="{BF678B77-B73D-43BD-B175-D4822DB0C572}" destId="{B75F5DF7-EB01-46E2-A7CF-65A9E4F688A0}" srcOrd="1" destOrd="0" parTransId="{75293FFE-7F01-47F2-96F4-E262D50EDE58}" sibTransId="{05C1011A-30C2-4BED-B4C0-B5798F94C507}"/>
     <dgm:cxn modelId="{F6A0BA71-B61D-4C88-9B8A-43B8AB5E2E4F}" type="presOf" srcId="{BF678B77-B73D-43BD-B175-D4822DB0C572}" destId="{B1E9FAE8-D326-4363-99B2-E34922E20CD2}" srcOrd="1" destOrd="0" presId="urn:microsoft.com/office/officeart/2005/8/layout/list1"/>
-    <dgm:cxn modelId="{2E476075-5780-41FF-9401-31A2FE9EEDFB}" srcId="{4400BC4C-F758-45AB-9322-7168C65636FD}" destId="{97AF4982-3945-47ED-A185-607FB9ADB404}" srcOrd="2" destOrd="0" parTransId="{37B5B9DD-2E06-4223-9CCA-1215BA4F0F12}" sibTransId="{40D30FD8-2562-4F6D-A3F2-B87396CC3415}"/>
-    <dgm:cxn modelId="{C087C155-DFBB-4DAB-A7BA-1E19BB5E3B36}" type="presOf" srcId="{4A9FDBF4-3705-490E-A1A8-1EDE9B989BD3}" destId="{A45DBEEF-95E7-4478-8E5D-0D08BF15CEED}" srcOrd="0" destOrd="1" presId="urn:microsoft.com/office/officeart/2005/8/layout/list1"/>
+    <dgm:cxn modelId="{2E476075-5780-41FF-9401-31A2FE9EEDFB}" srcId="{4400BC4C-F758-45AB-9322-7168C65636FD}" destId="{97AF4982-3945-47ED-A185-607FB9ADB404}" srcOrd="1" destOrd="0" parTransId="{37B5B9DD-2E06-4223-9CCA-1215BA4F0F12}" sibTransId="{40D30FD8-2562-4F6D-A3F2-B87396CC3415}"/>
     <dgm:cxn modelId="{01A8D179-B222-42FC-BC5E-85F5E351F1B8}" srcId="{4400BC4C-F758-45AB-9322-7168C65636FD}" destId="{2742C122-A22F-4476-9B37-1D7A17057590}" srcOrd="0" destOrd="0" parTransId="{AC0B185A-7F92-477C-A525-2526473DD0CE}" sibTransId="{9E5666FF-1E0E-4A17-855D-5551F6F29624}"/>
     <dgm:cxn modelId="{2DA39F80-FAF5-46B0-A373-67628FEB2C4A}" type="presOf" srcId="{4400BC4C-F758-45AB-9322-7168C65636FD}" destId="{CACD1CF9-A050-45F5-B7CC-A47B12877B58}" srcOrd="1" destOrd="0" presId="urn:microsoft.com/office/officeart/2005/8/layout/list1"/>
     <dgm:cxn modelId="{12A87691-D4CB-4D09-AA8F-0BF715527865}" srcId="{BF678B77-B73D-43BD-B175-D4822DB0C572}" destId="{B514D909-99AA-4C03-BC63-C696EB01927E}" srcOrd="0" destOrd="0" parTransId="{50B79367-5364-48B4-8F42-70E66B9467E7}" sibTransId="{F6B8E637-5878-4F83-B384-7421884A1D62}"/>
@@ -1294,8 +1248,7 @@
     <dgm:cxn modelId="{5496EDC3-8E9E-4E31-891D-BD5250C3F730}" type="presOf" srcId="{B75F5DF7-EB01-46E2-A7CF-65A9E4F688A0}" destId="{5A02946C-1BA6-4220-A403-540645A2FD28}" srcOrd="0" destOrd="1" presId="urn:microsoft.com/office/officeart/2005/8/layout/list1"/>
     <dgm:cxn modelId="{E3AC87D7-9356-42BF-B8FB-F8A350D59351}" srcId="{14571008-AFF3-42FB-8AB4-651431DDAA30}" destId="{BF678B77-B73D-43BD-B175-D4822DB0C572}" srcOrd="1" destOrd="0" parTransId="{3EB4C101-3C76-460D-A6A1-B2349BFD6A19}" sibTransId="{D2D1F0F1-7847-41EC-9B4B-97D6FF308D91}"/>
     <dgm:cxn modelId="{21E4ECDE-B054-4176-8B8D-E3858936441D}" type="presOf" srcId="{2742C122-A22F-4476-9B37-1D7A17057590}" destId="{A45DBEEF-95E7-4478-8E5D-0D08BF15CEED}" srcOrd="0" destOrd="0" presId="urn:microsoft.com/office/officeart/2005/8/layout/list1"/>
-    <dgm:cxn modelId="{DA4C3DEE-3FA9-49C9-BE18-E4A1F087B9A8}" srcId="{4400BC4C-F758-45AB-9322-7168C65636FD}" destId="{4A9FDBF4-3705-490E-A1A8-1EDE9B989BD3}" srcOrd="1" destOrd="0" parTransId="{C03E2ED8-71C3-4F15-923A-BE244D045FCA}" sibTransId="{62A2CB9C-C124-4C2A-9178-7CB68C05AA46}"/>
-    <dgm:cxn modelId="{676323F1-019F-41C1-9CDC-5E63FD27635C}" type="presOf" srcId="{97AF4982-3945-47ED-A185-607FB9ADB404}" destId="{A45DBEEF-95E7-4478-8E5D-0D08BF15CEED}" srcOrd="0" destOrd="2" presId="urn:microsoft.com/office/officeart/2005/8/layout/list1"/>
+    <dgm:cxn modelId="{676323F1-019F-41C1-9CDC-5E63FD27635C}" type="presOf" srcId="{97AF4982-3945-47ED-A185-607FB9ADB404}" destId="{A45DBEEF-95E7-4478-8E5D-0D08BF15CEED}" srcOrd="0" destOrd="1" presId="urn:microsoft.com/office/officeart/2005/8/layout/list1"/>
     <dgm:cxn modelId="{DDE98F57-DF7B-4AF5-9A85-C2FC194FBAEC}" type="presParOf" srcId="{AC43F8BD-5450-4826-B43A-1FE47CCA0FC5}" destId="{FD8C9CC9-7A6C-42D7-8ED0-5B1A9073EFB2}" srcOrd="0" destOrd="0" presId="urn:microsoft.com/office/officeart/2005/8/layout/list1"/>
     <dgm:cxn modelId="{63363B34-D633-4787-B16D-8D83C4B4D754}" type="presParOf" srcId="{FD8C9CC9-7A6C-42D7-8ED0-5B1A9073EFB2}" destId="{C2DC62CD-7B13-42C3-93BC-871C9C425563}" srcOrd="0" destOrd="0" presId="urn:microsoft.com/office/officeart/2005/8/layout/list1"/>
     <dgm:cxn modelId="{876B54BE-7AF9-444D-AE3B-0363469D8131}" type="presParOf" srcId="{FD8C9CC9-7A6C-42D7-8ED0-5B1A9073EFB2}" destId="{CACD1CF9-A050-45F5-B7CC-A47B12877B58}" srcOrd="1" destOrd="0" presId="urn:microsoft.com/office/officeart/2005/8/layout/list1"/>
@@ -1333,8 +1286,8 @@
       </dsp:nvSpPr>
       <dsp:spPr>
         <a:xfrm>
-          <a:off x="0" y="766912"/>
-          <a:ext cx="7105650" cy="1887637"/>
+          <a:off x="0" y="824962"/>
+          <a:ext cx="7105650" cy="1701000"/>
         </a:xfrm>
         <a:prstGeom prst="rect">
           <a:avLst/>
@@ -1372,7 +1325,7 @@
         <a:fontRef idx="minor"/>
       </dsp:style>
       <dsp:txBody>
-        <a:bodyPr spcFirstLastPara="0" vert="horz" wrap="square" lIns="551477" tIns="1062228" rIns="551477" bIns="113792" numCol="1" spcCol="1270" anchor="t" anchorCtr="0">
+        <a:bodyPr spcFirstLastPara="0" vert="horz" wrap="square" lIns="551477" tIns="1124712" rIns="551477" bIns="113792" numCol="1" spcCol="1270" anchor="t" anchorCtr="0">
           <a:noAutofit/>
         </a:bodyPr>
         <a:lstStyle/>
@@ -1391,25 +1344,7 @@
           </a:pPr>
           <a:r>
             <a:rPr lang="en-US" sz="1600" kern="1200" dirty="0"/>
-            <a:t>Logging with just an instrumentation key</a:t>
-          </a:r>
-        </a:p>
-        <a:p>
-          <a:pPr marL="171450" lvl="1" indent="-171450" algn="l" defTabSz="711200">
-            <a:lnSpc>
-              <a:spcPct val="90000"/>
-            </a:lnSpc>
-            <a:spcBef>
-              <a:spcPct val="0"/>
-            </a:spcBef>
-            <a:spcAft>
-              <a:spcPct val="15000"/>
-            </a:spcAft>
-            <a:buChar char="•"/>
-          </a:pPr>
-          <a:r>
-            <a:rPr lang="en-US" sz="1600" kern="1200" dirty="0"/>
-            <a:t>Logging with the Application Insights NuGet package installed</a:t>
+            <a:t>Logging with the Application Insights</a:t>
           </a:r>
         </a:p>
         <a:p>
@@ -1440,8 +1375,8 @@
         </a:p>
       </dsp:txBody>
       <dsp:txXfrm>
-        <a:off x="0" y="766912"/>
-        <a:ext cx="7105650" cy="1887637"/>
+        <a:off x="0" y="824962"/>
+        <a:ext cx="7105650" cy="1701000"/>
       </dsp:txXfrm>
     </dsp:sp>
     <dsp:sp modelId="{CACD1CF9-A050-45F5-B7CC-A47B12877B58}">
@@ -1451,8 +1386,8 @@
       </dsp:nvSpPr>
       <dsp:spPr>
         <a:xfrm>
-          <a:off x="355282" y="14152"/>
-          <a:ext cx="4973955" cy="1505520"/>
+          <a:off x="355282" y="27922"/>
+          <a:ext cx="4973955" cy="1594080"/>
         </a:xfrm>
         <a:prstGeom prst="roundRect">
           <a:avLst/>
@@ -1511,8 +1446,8 @@
         </a:p>
       </dsp:txBody>
       <dsp:txXfrm>
-        <a:off x="428775" y="87645"/>
-        <a:ext cx="4826969" cy="1358534"/>
+        <a:off x="433099" y="105739"/>
+        <a:ext cx="4818321" cy="1438446"/>
       </dsp:txXfrm>
     </dsp:sp>
     <dsp:sp modelId="{5A02946C-1BA6-4220-A403-540645A2FD28}">
@@ -1522,8 +1457,8 @@
       </dsp:nvSpPr>
       <dsp:spPr>
         <a:xfrm>
-          <a:off x="0" y="3682710"/>
-          <a:ext cx="7105650" cy="1646662"/>
+          <a:off x="0" y="3614602"/>
+          <a:ext cx="7105650" cy="1701000"/>
         </a:xfrm>
         <a:prstGeom prst="rect">
           <a:avLst/>
@@ -1563,7 +1498,7 @@
         <a:fontRef idx="minor"/>
       </dsp:style>
       <dsp:txBody>
-        <a:bodyPr spcFirstLastPara="0" vert="horz" wrap="square" lIns="551477" tIns="1062228" rIns="551477" bIns="113792" numCol="1" spcCol="1270" anchor="t" anchorCtr="0">
+        <a:bodyPr spcFirstLastPara="0" vert="horz" wrap="square" lIns="551477" tIns="1124712" rIns="551477" bIns="113792" numCol="1" spcCol="1270" anchor="t" anchorCtr="0">
           <a:noAutofit/>
         </a:bodyPr>
         <a:lstStyle/>
@@ -1618,8 +1553,8 @@
         </a:p>
       </dsp:txBody>
       <dsp:txXfrm>
-        <a:off x="0" y="3682710"/>
-        <a:ext cx="7105650" cy="1646662"/>
+        <a:off x="0" y="3614602"/>
+        <a:ext cx="7105650" cy="1701000"/>
       </dsp:txXfrm>
     </dsp:sp>
     <dsp:sp modelId="{B1E9FAE8-D326-4363-99B2-E34922E20CD2}">
@@ -1629,8 +1564,8 @@
       </dsp:nvSpPr>
       <dsp:spPr>
         <a:xfrm>
-          <a:off x="355282" y="2929950"/>
-          <a:ext cx="4973955" cy="1505520"/>
+          <a:off x="355282" y="2817562"/>
+          <a:ext cx="4973955" cy="1594080"/>
         </a:xfrm>
         <a:prstGeom prst="roundRect">
           <a:avLst/>
@@ -1710,8 +1645,8 @@
         </a:p>
       </dsp:txBody>
       <dsp:txXfrm>
-        <a:off x="428775" y="3003443"/>
-        <a:ext cx="4826969" cy="1358534"/>
+        <a:off x="433099" y="2895379"/>
+        <a:ext cx="4818321" cy="1438446"/>
       </dsp:txXfrm>
     </dsp:sp>
   </dsp:spTree>
@@ -3465,10 +3400,30 @@
           <a:bodyPr/>
           <a:lstStyle/>
           <a:p>
+            <a:pPr marL="0" marR="0" lvl="0" indent="0" algn="l" defTabSz="914400" rtl="0" eaLnBrk="1" fontAlgn="auto" latinLnBrk="0" hangingPunct="1">
+              <a:lnSpc>
+                <a:spcPct val="100000"/>
+              </a:lnSpc>
+              <a:spcBef>
+                <a:spcPts val="0"/>
+              </a:spcBef>
+              <a:spcAft>
+                <a:spcPts val="0"/>
+              </a:spcAft>
+              <a:buClrTx/>
+              <a:buSzTx/>
+              <a:buFontTx/>
+              <a:buNone/>
+              <a:tabLst/>
+              <a:defRPr/>
+            </a:pPr>
             <a:r>
               <a:rPr lang="en-US" dirty="0"/>
               <a:t>Create new Application Insights and Log Analytics workspace</a:t>
             </a:r>
+          </a:p>
+          <a:p>
+            <a:endParaRPr lang="en-US" dirty="0"/>
           </a:p>
         </p:txBody>
       </p:sp>
@@ -3498,7 +3453,7 @@
     </p:spTree>
     <p:extLst>
       <p:ext uri="{BB962C8B-B14F-4D97-AF65-F5344CB8AC3E}">
-        <p14:creationId xmlns:p14="http://schemas.microsoft.com/office/powerpoint/2010/main" val="3504934791"/>
+        <p14:creationId xmlns:p14="http://schemas.microsoft.com/office/powerpoint/2010/main" val="88749934"/>
       </p:ext>
     </p:extLst>
   </p:cSld>
@@ -3605,7 +3560,7 @@
     </p:spTree>
     <p:extLst>
       <p:ext uri="{BB962C8B-B14F-4D97-AF65-F5344CB8AC3E}">
-        <p14:creationId xmlns:p14="http://schemas.microsoft.com/office/powerpoint/2010/main" val="88749934"/>
+        <p14:creationId xmlns:p14="http://schemas.microsoft.com/office/powerpoint/2010/main" val="1705524457"/>
       </p:ext>
     </p:extLst>
   </p:cSld>
@@ -3678,7 +3633,7 @@
             </a:pPr>
             <a:r>
               <a:rPr lang="en-US" dirty="0"/>
-              <a:t>Create new Application Insights and Log Analytics workspace</a:t>
+              <a:t>Create new Log Analytics workspace</a:t>
             </a:r>
           </a:p>
           <a:p>
@@ -3712,7 +3667,7 @@
     </p:spTree>
     <p:extLst>
       <p:ext uri="{BB962C8B-B14F-4D97-AF65-F5344CB8AC3E}">
-        <p14:creationId xmlns:p14="http://schemas.microsoft.com/office/powerpoint/2010/main" val="1705524457"/>
+        <p14:creationId xmlns:p14="http://schemas.microsoft.com/office/powerpoint/2010/main" val="1227055354"/>
       </p:ext>
     </p:extLst>
   </p:cSld>
@@ -3811,113 +3766,6 @@
             <a:fld id="{EBEE39C1-7364-4DD4-90B8-92ACE4B26CFC}" type="slidenum">
               <a:rPr lang="en-US" smtClean="0"/>
               <a:t>6</a:t>
-            </a:fld>
-            <a:endParaRPr lang="en-US"/>
-          </a:p>
-        </p:txBody>
-      </p:sp>
-    </p:spTree>
-    <p:extLst>
-      <p:ext uri="{BB962C8B-B14F-4D97-AF65-F5344CB8AC3E}">
-        <p14:creationId xmlns:p14="http://schemas.microsoft.com/office/powerpoint/2010/main" val="1227055354"/>
-      </p:ext>
-    </p:extLst>
-  </p:cSld>
-  <p:clrMapOvr>
-    <a:masterClrMapping/>
-  </p:clrMapOvr>
-</p:notes>
-</file>
-
-<file path=ppt/notesSlides/notesSlide6.xml><?xml version="1.0" encoding="utf-8"?>
-<p:notes xmlns:a="http://schemas.openxmlformats.org/drawingml/2006/main" xmlns:r="http://schemas.openxmlformats.org/officeDocument/2006/relationships" xmlns:p="http://schemas.openxmlformats.org/presentationml/2006/main">
-  <p:cSld>
-    <p:spTree>
-      <p:nvGrpSpPr>
-        <p:cNvPr id="1" name=""/>
-        <p:cNvGrpSpPr/>
-        <p:nvPr/>
-      </p:nvGrpSpPr>
-      <p:grpSpPr>
-        <a:xfrm>
-          <a:off x="0" y="0"/>
-          <a:ext cx="0" cy="0"/>
-          <a:chOff x="0" y="0"/>
-          <a:chExt cx="0" cy="0"/>
-        </a:xfrm>
-      </p:grpSpPr>
-      <p:sp>
-        <p:nvSpPr>
-          <p:cNvPr id="2" name="Slide Image Placeholder 1"/>
-          <p:cNvSpPr>
-            <a:spLocks noGrp="1" noRot="1" noChangeAspect="1"/>
-          </p:cNvSpPr>
-          <p:nvPr>
-            <p:ph type="sldImg"/>
-          </p:nvPr>
-        </p:nvSpPr>
-        <p:spPr/>
-      </p:sp>
-      <p:sp>
-        <p:nvSpPr>
-          <p:cNvPr id="3" name="Notes Placeholder 2"/>
-          <p:cNvSpPr>
-            <a:spLocks noGrp="1"/>
-          </p:cNvSpPr>
-          <p:nvPr>
-            <p:ph type="body" idx="1"/>
-          </p:nvPr>
-        </p:nvSpPr>
-        <p:spPr/>
-        <p:txBody>
-          <a:bodyPr/>
-          <a:lstStyle/>
-          <a:p>
-            <a:pPr marL="0" marR="0" lvl="0" indent="0" algn="l" defTabSz="914400" rtl="0" eaLnBrk="1" fontAlgn="auto" latinLnBrk="0" hangingPunct="1">
-              <a:lnSpc>
-                <a:spcPct val="100000"/>
-              </a:lnSpc>
-              <a:spcBef>
-                <a:spcPts val="0"/>
-              </a:spcBef>
-              <a:spcAft>
-                <a:spcPts val="0"/>
-              </a:spcAft>
-              <a:buClrTx/>
-              <a:buSzTx/>
-              <a:buFontTx/>
-              <a:buNone/>
-              <a:tabLst/>
-              <a:defRPr/>
-            </a:pPr>
-            <a:r>
-              <a:rPr lang="en-US" dirty="0"/>
-              <a:t>Create new Log Analytics workspace</a:t>
-            </a:r>
-          </a:p>
-          <a:p>
-            <a:endParaRPr lang="en-US" dirty="0"/>
-          </a:p>
-        </p:txBody>
-      </p:sp>
-      <p:sp>
-        <p:nvSpPr>
-          <p:cNvPr id="4" name="Slide Number Placeholder 3"/>
-          <p:cNvSpPr>
-            <a:spLocks noGrp="1"/>
-          </p:cNvSpPr>
-          <p:nvPr>
-            <p:ph type="sldNum" sz="quarter" idx="5"/>
-          </p:nvPr>
-        </p:nvSpPr>
-        <p:spPr/>
-        <p:txBody>
-          <a:bodyPr/>
-          <a:lstStyle/>
-          <a:p>
-            <a:fld id="{EBEE39C1-7364-4DD4-90B8-92ACE4B26CFC}" type="slidenum">
-              <a:rPr lang="en-US" smtClean="0"/>
-              <a:t>7</a:t>
             </a:fld>
             <a:endParaRPr lang="en-US"/>
           </a:p>
@@ -10578,7 +10426,7 @@
             <p:ph idx="1"/>
             <p:extLst>
               <p:ext uri="{D42A27DB-BD31-4B8C-83A1-F6EECF244321}">
-                <p14:modId xmlns:p14="http://schemas.microsoft.com/office/powerpoint/2010/main" val="3412866225"/>
+                <p14:modId xmlns:p14="http://schemas.microsoft.com/office/powerpoint/2010/main" val="2125464456"/>
               </p:ext>
             </p:extLst>
           </p:nvPr>
@@ -10655,7 +10503,7 @@
         </p:spPr>
         <p:txBody>
           <a:bodyPr>
-            <a:normAutofit/>
+            <a:normAutofit fontScale="90000"/>
           </a:bodyPr>
           <a:lstStyle/>
           <a:p>
@@ -10666,14 +10514,21 @@
             </a:pPr>
             <a:r>
               <a:rPr lang="en-US" sz="2800" dirty="0"/>
-              <a:t>Application Insights</a:t>
+              <a:t>Application Insights </a:t>
             </a:r>
             <a:br>
               <a:rPr lang="en-US" sz="2800" dirty="0"/>
             </a:br>
             <a:r>
               <a:rPr lang="en-US" sz="2800" dirty="0"/>
-              <a:t>Logging with only an instrumentation key</a:t>
+              <a:t>Logging with the App Insights </a:t>
+            </a:r>
+            <a:br>
+              <a:rPr lang="en-US" sz="2800" dirty="0"/>
+            </a:br>
+            <a:r>
+              <a:rPr lang="en-US" sz="2800" dirty="0"/>
+              <a:t>NuGet package installed</a:t>
             </a:r>
           </a:p>
         </p:txBody>
@@ -10694,10 +10549,15 @@
             <p:ph idx="1"/>
           </p:nvPr>
         </p:nvSpPr>
-        <p:spPr/>
+        <p:spPr>
+          <a:xfrm>
+            <a:off x="1295402" y="2444619"/>
+            <a:ext cx="9919994" cy="3732245"/>
+          </a:xfrm>
+        </p:spPr>
         <p:txBody>
           <a:bodyPr>
-            <a:normAutofit/>
+            <a:noAutofit/>
           </a:bodyPr>
           <a:lstStyle/>
           <a:p>
@@ -10729,7 +10589,7 @@
             </a:pPr>
             <a:r>
               <a:rPr lang="en-US" sz="1600" dirty="0"/>
-              <a:t>What is logged?</a:t>
+              <a:t>What is logged?  Where is it logged?</a:t>
             </a:r>
           </a:p>
           <a:p>
@@ -10739,10 +10599,7 @@
               </a:lnSpc>
               <a:buNone/>
             </a:pPr>
-            <a:r>
-              <a:rPr lang="en-US" sz="1600" dirty="0"/>
-              <a:t>Where is it logged?</a:t>
-            </a:r>
+            <a:endParaRPr lang="en-US" sz="1600" dirty="0"/>
           </a:p>
           <a:p>
             <a:pPr marL="0" indent="0">
@@ -10751,7 +10608,10 @@
               </a:lnSpc>
               <a:buNone/>
             </a:pPr>
-            <a:endParaRPr lang="en-US" sz="1600" dirty="0"/>
+            <a:r>
+              <a:rPr lang="en-US" sz="1600" dirty="0"/>
+              <a:t>If an exception bubbles out of the function call…</a:t>
+            </a:r>
           </a:p>
           <a:p>
             <a:pPr marL="0" indent="0">
@@ -10762,7 +10622,7 @@
             </a:pPr>
             <a:r>
               <a:rPr lang="en-US" sz="1600" dirty="0"/>
-              <a:t>If an exception bubbles out of the function call…</a:t>
+              <a:t>What is logged?  Where is it logged?</a:t>
             </a:r>
           </a:p>
           <a:p>
@@ -10772,10 +10632,7 @@
               </a:lnSpc>
               <a:buNone/>
             </a:pPr>
-            <a:r>
-              <a:rPr lang="en-US" sz="1600" dirty="0"/>
-              <a:t>What is logged?</a:t>
-            </a:r>
+            <a:endParaRPr lang="en-US" sz="1600" dirty="0"/>
           </a:p>
           <a:p>
             <a:pPr marL="0" indent="0">
@@ -10786,7 +10643,31 @@
             </a:pPr>
             <a:r>
               <a:rPr lang="en-US" sz="1600" dirty="0"/>
-              <a:t>Where is it logged?</a:t>
+              <a:t>If the user uses, </a:t>
+            </a:r>
+            <a:r>
+              <a:rPr lang="en-US" sz="1600" dirty="0" err="1"/>
+              <a:t>TrackTrace</a:t>
+            </a:r>
+            <a:r>
+              <a:rPr lang="en-US" sz="1600" dirty="0"/>
+              <a:t>, </a:t>
+            </a:r>
+            <a:r>
+              <a:rPr lang="en-US" sz="1600" dirty="0" err="1"/>
+              <a:t>TrackEvent</a:t>
+            </a:r>
+            <a:r>
+              <a:rPr lang="en-US" sz="1600" dirty="0"/>
+              <a:t> or </a:t>
+            </a:r>
+            <a:r>
+              <a:rPr lang="en-US" sz="1600" dirty="0" err="1"/>
+              <a:t>TrackException</a:t>
+            </a:r>
+            <a:r>
+              <a:rPr lang="en-US" sz="1600" dirty="0"/>
+              <a:t>…</a:t>
             </a:r>
           </a:p>
           <a:p>
@@ -10796,7 +10677,10 @@
               </a:lnSpc>
               <a:buNone/>
             </a:pPr>
-            <a:endParaRPr lang="en-US" sz="1600" dirty="0"/>
+            <a:r>
+              <a:rPr lang="en-US" sz="1600" dirty="0"/>
+              <a:t>What is logged? Where is it logged?</a:t>
+            </a:r>
           </a:p>
           <a:p>
             <a:pPr marL="0" indent="0">
@@ -10805,10 +10689,7 @@
               </a:lnSpc>
               <a:buNone/>
             </a:pPr>
-            <a:r>
-              <a:rPr lang="en-US" sz="1600" dirty="0"/>
-              <a:t>Forwarding data to a Log Analytics workspace (preview)</a:t>
-            </a:r>
+            <a:endParaRPr lang="en-US" sz="1600" dirty="0"/>
           </a:p>
           <a:p>
             <a:pPr marL="0" indent="0">
@@ -10817,6 +10698,36 @@
               </a:lnSpc>
               <a:buNone/>
             </a:pPr>
+            <a:r>
+              <a:rPr lang="en-US" sz="1600" dirty="0"/>
+              <a:t>Forwarding data to a Log Analytics workspace (preview)</a:t>
+            </a:r>
+          </a:p>
+          <a:p>
+            <a:pPr marL="0" indent="0">
+              <a:lnSpc>
+                <a:spcPct val="90000"/>
+              </a:lnSpc>
+              <a:buNone/>
+            </a:pPr>
+            <a:endParaRPr lang="en-US" sz="1600" dirty="0"/>
+          </a:p>
+          <a:p>
+            <a:pPr marL="0" indent="0">
+              <a:lnSpc>
+                <a:spcPct val="90000"/>
+              </a:lnSpc>
+              <a:buNone/>
+            </a:pPr>
+            <a:endParaRPr lang="en-US" sz="1600" dirty="0"/>
+          </a:p>
+          <a:p>
+            <a:pPr marL="0" indent="0">
+              <a:lnSpc>
+                <a:spcPct val="90000"/>
+              </a:lnSpc>
+              <a:buNone/>
+            </a:pPr>
             <a:endParaRPr lang="en-US" sz="1600" dirty="0"/>
           </a:p>
         </p:txBody>
@@ -10824,7 +10735,7 @@
     </p:spTree>
     <p:extLst>
       <p:ext uri="{BB962C8B-B14F-4D97-AF65-F5344CB8AC3E}">
-        <p14:creationId xmlns:p14="http://schemas.microsoft.com/office/powerpoint/2010/main" val="1840887690"/>
+        <p14:creationId xmlns:p14="http://schemas.microsoft.com/office/powerpoint/2010/main" val="2989007228"/>
       </p:ext>
     </p:extLst>
   </p:cSld>
@@ -10883,7 +10794,7 @@
         </p:spPr>
         <p:txBody>
           <a:bodyPr>
-            <a:normAutofit fontScale="90000"/>
+            <a:normAutofit/>
           </a:bodyPr>
           <a:lstStyle/>
           <a:p>
@@ -10901,14 +10812,15 @@
             </a:br>
             <a:r>
               <a:rPr lang="en-US" sz="2800" dirty="0"/>
-              <a:t>Logging with the App Insights </a:t>
-            </a:r>
-            <a:br>
+              <a:t>Logging with the </a:t>
+            </a:r>
+            <a:r>
+              <a:rPr lang="en-US" sz="2800" dirty="0" err="1"/>
+              <a:t>Serilog</a:t>
+            </a:r>
+            <a:r>
               <a:rPr lang="en-US" sz="2800" dirty="0"/>
-            </a:br>
-            <a:r>
-              <a:rPr lang="en-US" sz="2800" dirty="0"/>
-              <a:t>NuGet package installed</a:t>
+              <a:t> Sink</a:t>
             </a:r>
           </a:p>
         </p:txBody>
@@ -10929,15 +10841,10 @@
             <p:ph idx="1"/>
           </p:nvPr>
         </p:nvSpPr>
-        <p:spPr>
-          <a:xfrm>
-            <a:off x="1295402" y="2444619"/>
-            <a:ext cx="9601196" cy="3732245"/>
-          </a:xfrm>
-        </p:spPr>
+        <p:spPr/>
         <p:txBody>
           <a:bodyPr>
-            <a:noAutofit/>
+            <a:normAutofit/>
           </a:bodyPr>
           <a:lstStyle/>
           <a:p>
@@ -11038,64 +10945,12 @@
             </a:pPr>
             <a:endParaRPr lang="en-US" sz="1600" dirty="0"/>
           </a:p>
-          <a:p>
-            <a:pPr marL="0" indent="0">
-              <a:lnSpc>
-                <a:spcPct val="90000"/>
-              </a:lnSpc>
-              <a:buNone/>
-            </a:pPr>
-            <a:r>
-              <a:rPr lang="en-US" sz="1600" dirty="0"/>
-              <a:t>If the user uses, </a:t>
-            </a:r>
-            <a:r>
-              <a:rPr lang="en-US" sz="1600" dirty="0" err="1"/>
-              <a:t>TrackTrace</a:t>
-            </a:r>
-            <a:r>
-              <a:rPr lang="en-US" sz="1600" dirty="0"/>
-              <a:t> or </a:t>
-            </a:r>
-            <a:r>
-              <a:rPr lang="en-US" sz="1600" dirty="0" err="1"/>
-              <a:t>TrackException</a:t>
-            </a:r>
-            <a:r>
-              <a:rPr lang="en-US" sz="1600" dirty="0"/>
-              <a:t>…</a:t>
-            </a:r>
-          </a:p>
-          <a:p>
-            <a:pPr marL="0" indent="0">
-              <a:lnSpc>
-                <a:spcPct val="90000"/>
-              </a:lnSpc>
-              <a:buNone/>
-            </a:pPr>
-            <a:r>
-              <a:rPr lang="en-US" sz="1600" dirty="0"/>
-              <a:t>What is logged?</a:t>
-            </a:r>
-          </a:p>
-          <a:p>
-            <a:pPr marL="0" indent="0">
-              <a:lnSpc>
-                <a:spcPct val="90000"/>
-              </a:lnSpc>
-              <a:buNone/>
-            </a:pPr>
-            <a:r>
-              <a:rPr lang="en-US" sz="1600" dirty="0"/>
-              <a:t>Where is it logged?</a:t>
-            </a:r>
-          </a:p>
         </p:txBody>
       </p:sp>
     </p:spTree>
     <p:extLst>
       <p:ext uri="{BB962C8B-B14F-4D97-AF65-F5344CB8AC3E}">
-        <p14:creationId xmlns:p14="http://schemas.microsoft.com/office/powerpoint/2010/main" val="2989007228"/>
+        <p14:creationId xmlns:p14="http://schemas.microsoft.com/office/powerpoint/2010/main" val="3864492139"/>
       </p:ext>
     </p:extLst>
   </p:cSld>
@@ -11136,221 +10991,6 @@
           <p:cNvPr id="2" name="Title 1">
             <a:extLst>
               <a:ext uri="{FF2B5EF4-FFF2-40B4-BE49-F238E27FC236}">
-                <a16:creationId xmlns:a16="http://schemas.microsoft.com/office/drawing/2014/main" id="{E9183A15-14C0-45A6-8373-428AC90C1968}"/>
-              </a:ext>
-            </a:extLst>
-          </p:cNvPr>
-          <p:cNvSpPr>
-            <a:spLocks noGrp="1"/>
-          </p:cNvSpPr>
-          <p:nvPr>
-            <p:ph type="title"/>
-          </p:nvPr>
-        </p:nvSpPr>
-        <p:spPr>
-          <a:prstGeom prst="ellipse">
-            <a:avLst/>
-          </a:prstGeom>
-        </p:spPr>
-        <p:txBody>
-          <a:bodyPr>
-            <a:normAutofit/>
-          </a:bodyPr>
-          <a:lstStyle/>
-          <a:p>
-            <a:pPr lvl="0">
-              <a:lnSpc>
-                <a:spcPct val="90000"/>
-              </a:lnSpc>
-            </a:pPr>
-            <a:r>
-              <a:rPr lang="en-US" sz="2800" dirty="0"/>
-              <a:t>Application Insights </a:t>
-            </a:r>
-            <a:br>
-              <a:rPr lang="en-US" sz="2800" dirty="0"/>
-            </a:br>
-            <a:r>
-              <a:rPr lang="en-US" sz="2800" dirty="0"/>
-              <a:t>Logging with the </a:t>
-            </a:r>
-            <a:r>
-              <a:rPr lang="en-US" sz="2800" dirty="0" err="1"/>
-              <a:t>Serilog</a:t>
-            </a:r>
-            <a:r>
-              <a:rPr lang="en-US" sz="2800" dirty="0"/>
-              <a:t> Sink</a:t>
-            </a:r>
-          </a:p>
-        </p:txBody>
-      </p:sp>
-      <p:sp>
-        <p:nvSpPr>
-          <p:cNvPr id="3" name="Content Placeholder 2">
-            <a:extLst>
-              <a:ext uri="{FF2B5EF4-FFF2-40B4-BE49-F238E27FC236}">
-                <a16:creationId xmlns:a16="http://schemas.microsoft.com/office/drawing/2014/main" id="{2EDCCDA0-C207-4FC4-9C05-562F72D27C79}"/>
-              </a:ext>
-            </a:extLst>
-          </p:cNvPr>
-          <p:cNvSpPr>
-            <a:spLocks noGrp="1"/>
-          </p:cNvSpPr>
-          <p:nvPr>
-            <p:ph idx="1"/>
-          </p:nvPr>
-        </p:nvSpPr>
-        <p:spPr/>
-        <p:txBody>
-          <a:bodyPr>
-            <a:normAutofit/>
-          </a:bodyPr>
-          <a:lstStyle/>
-          <a:p>
-            <a:pPr marL="0" indent="0">
-              <a:lnSpc>
-                <a:spcPct val="90000"/>
-              </a:lnSpc>
-              <a:buNone/>
-            </a:pPr>
-            <a:r>
-              <a:rPr lang="en-US" sz="1600" dirty="0"/>
-              <a:t>If a user logs information in code via the </a:t>
-            </a:r>
-            <a:r>
-              <a:rPr lang="en-US" sz="1600" dirty="0" err="1"/>
-              <a:t>ILogger</a:t>
-            </a:r>
-            <a:r>
-              <a:rPr lang="en-US" sz="1600" dirty="0"/>
-              <a:t> interface…</a:t>
-            </a:r>
-          </a:p>
-          <a:p>
-            <a:pPr marL="0" indent="0">
-              <a:lnSpc>
-                <a:spcPct val="90000"/>
-              </a:lnSpc>
-              <a:buNone/>
-            </a:pPr>
-            <a:r>
-              <a:rPr lang="en-US" sz="1600" dirty="0"/>
-              <a:t>What is logged?</a:t>
-            </a:r>
-          </a:p>
-          <a:p>
-            <a:pPr marL="0" indent="0">
-              <a:lnSpc>
-                <a:spcPct val="90000"/>
-              </a:lnSpc>
-              <a:buNone/>
-            </a:pPr>
-            <a:r>
-              <a:rPr lang="en-US" sz="1600" dirty="0"/>
-              <a:t>Where is it logged?</a:t>
-            </a:r>
-          </a:p>
-          <a:p>
-            <a:pPr marL="0" indent="0">
-              <a:lnSpc>
-                <a:spcPct val="90000"/>
-              </a:lnSpc>
-              <a:buNone/>
-            </a:pPr>
-            <a:endParaRPr lang="en-US" sz="1600" dirty="0"/>
-          </a:p>
-          <a:p>
-            <a:pPr marL="0" indent="0">
-              <a:lnSpc>
-                <a:spcPct val="90000"/>
-              </a:lnSpc>
-              <a:buNone/>
-            </a:pPr>
-            <a:r>
-              <a:rPr lang="en-US" sz="1600" dirty="0"/>
-              <a:t>If an exception bubbles out of the function call…</a:t>
-            </a:r>
-          </a:p>
-          <a:p>
-            <a:pPr marL="0" indent="0">
-              <a:lnSpc>
-                <a:spcPct val="90000"/>
-              </a:lnSpc>
-              <a:buNone/>
-            </a:pPr>
-            <a:r>
-              <a:rPr lang="en-US" sz="1600" dirty="0"/>
-              <a:t>What is logged?</a:t>
-            </a:r>
-          </a:p>
-          <a:p>
-            <a:pPr marL="0" indent="0">
-              <a:lnSpc>
-                <a:spcPct val="90000"/>
-              </a:lnSpc>
-              <a:buNone/>
-            </a:pPr>
-            <a:r>
-              <a:rPr lang="en-US" sz="1600" dirty="0"/>
-              <a:t>Where is it logged?</a:t>
-            </a:r>
-          </a:p>
-          <a:p>
-            <a:pPr marL="0" indent="0">
-              <a:lnSpc>
-                <a:spcPct val="90000"/>
-              </a:lnSpc>
-              <a:buNone/>
-            </a:pPr>
-            <a:endParaRPr lang="en-US" sz="1600" dirty="0"/>
-          </a:p>
-        </p:txBody>
-      </p:sp>
-    </p:spTree>
-    <p:extLst>
-      <p:ext uri="{BB962C8B-B14F-4D97-AF65-F5344CB8AC3E}">
-        <p14:creationId xmlns:p14="http://schemas.microsoft.com/office/powerpoint/2010/main" val="3864492139"/>
-      </p:ext>
-    </p:extLst>
-  </p:cSld>
-  <p:clrMapOvr>
-    <a:masterClrMapping/>
-  </p:clrMapOvr>
-</p:sld>
-</file>
-
-<file path=ppt/slides/slide6.xml><?xml version="1.0" encoding="utf-8"?>
-<p:sld xmlns:a="http://schemas.openxmlformats.org/drawingml/2006/main" xmlns:r="http://schemas.openxmlformats.org/officeDocument/2006/relationships" xmlns:p="http://schemas.openxmlformats.org/presentationml/2006/main">
-  <p:cSld>
-    <p:bg>
-      <p:bgPr>
-        <a:blipFill>
-          <a:blip r:embed="rId3"/>
-          <a:stretch/>
-        </a:blipFill>
-        <a:effectLst/>
-      </p:bgPr>
-    </p:bg>
-    <p:spTree>
-      <p:nvGrpSpPr>
-        <p:cNvPr id="1" name=""/>
-        <p:cNvGrpSpPr/>
-        <p:nvPr/>
-      </p:nvGrpSpPr>
-      <p:grpSpPr>
-        <a:xfrm>
-          <a:off x="0" y="0"/>
-          <a:ext cx="0" cy="0"/>
-          <a:chOff x="0" y="0"/>
-          <a:chExt cx="0" cy="0"/>
-        </a:xfrm>
-      </p:grpSpPr>
-      <p:sp>
-        <p:nvSpPr>
-          <p:cNvPr id="2" name="Title 1">
-            <a:extLst>
-              <a:ext uri="{FF2B5EF4-FFF2-40B4-BE49-F238E27FC236}">
                 <a16:creationId xmlns:a16="http://schemas.microsoft.com/office/drawing/2014/main" id="{484E3134-8830-461E-8EDC-AF96FCF1017C}"/>
               </a:ext>
             </a:extLst>
@@ -11483,7 +11123,7 @@
 </p:sld>
 </file>
 
-<file path=ppt/slides/slide7.xml><?xml version="1.0" encoding="utf-8"?>
+<file path=ppt/slides/slide6.xml><?xml version="1.0" encoding="utf-8"?>
 <p:sld xmlns:a="http://schemas.openxmlformats.org/drawingml/2006/main" xmlns:r="http://schemas.openxmlformats.org/officeDocument/2006/relationships" xmlns:p="http://schemas.openxmlformats.org/presentationml/2006/main">
   <p:cSld>
     <p:bg>
